--- a/Проект «Sokoban™».pptx
+++ b/Проект «Sokoban™».pptx
@@ -12,10 +12,11 @@
     <p:sldId id="260" r:id="rId6"/>
     <p:sldId id="261" r:id="rId7"/>
     <p:sldId id="263" r:id="rId8"/>
-    <p:sldId id="262" r:id="rId9"/>
-    <p:sldId id="265" r:id="rId10"/>
-    <p:sldId id="266" r:id="rId11"/>
-    <p:sldId id="264" r:id="rId12"/>
+    <p:sldId id="267" r:id="rId9"/>
+    <p:sldId id="262" r:id="rId10"/>
+    <p:sldId id="265" r:id="rId11"/>
+    <p:sldId id="266" r:id="rId12"/>
+    <p:sldId id="264" r:id="rId13"/>
   </p:sldIdLst>
   <p:sldSz cx="12192000" cy="6858000"/>
   <p:notesSz cx="6858000" cy="9144000"/>
@@ -114,6 +115,11 @@
       </a:defRPr>
     </a:lvl9pPr>
   </p:defaultTextStyle>
+  <p:extLst>
+    <p:ext uri="{EFAFB233-063F-42B5-8137-9DF3F51BA10A}">
+      <p15:sldGuideLst xmlns:p15="http://schemas.microsoft.com/office/powerpoint/2012/main"/>
+    </p:ext>
+  </p:extLst>
 </p:presentation>
 </file>
 
@@ -842,7 +848,7 @@
             <a:fld id="{B61BEF0D-F0BB-DE4B-95CE-6DB70DBA9567}" type="datetimeFigureOut">
               <a:rPr lang="en-US" dirty="0"/>
               <a:pPr/>
-              <a:t>1/18/2022</a:t>
+              <a:t>1/22/2022</a:t>
             </a:fld>
             <a:endParaRPr lang="en-US" dirty="0"/>
           </a:p>
@@ -1090,7 +1096,7 @@
             <a:fld id="{B61BEF0D-F0BB-DE4B-95CE-6DB70DBA9567}" type="datetimeFigureOut">
               <a:rPr lang="en-US" dirty="0"/>
               <a:pPr/>
-              <a:t>1/18/2022</a:t>
+              <a:t>1/22/2022</a:t>
             </a:fld>
             <a:endParaRPr lang="en-US" dirty="0"/>
           </a:p>
@@ -1401,7 +1407,7 @@
             <a:fld id="{B61BEF0D-F0BB-DE4B-95CE-6DB70DBA9567}" type="datetimeFigureOut">
               <a:rPr lang="en-US" dirty="0"/>
               <a:pPr/>
-              <a:t>1/18/2022</a:t>
+              <a:t>1/22/2022</a:t>
             </a:fld>
             <a:endParaRPr lang="en-US" dirty="0"/>
           </a:p>
@@ -1725,7 +1731,7 @@
             <a:fld id="{B61BEF0D-F0BB-DE4B-95CE-6DB70DBA9567}" type="datetimeFigureOut">
               <a:rPr lang="en-US" dirty="0"/>
               <a:pPr/>
-              <a:t>1/18/2022</a:t>
+              <a:t>1/22/2022</a:t>
             </a:fld>
             <a:endParaRPr lang="en-US" dirty="0"/>
           </a:p>
@@ -2036,7 +2042,7 @@
             <a:fld id="{B61BEF0D-F0BB-DE4B-95CE-6DB70DBA9567}" type="datetimeFigureOut">
               <a:rPr lang="en-US" dirty="0"/>
               <a:pPr/>
-              <a:t>1/18/2022</a:t>
+              <a:t>1/22/2022</a:t>
             </a:fld>
             <a:endParaRPr lang="en-US" dirty="0"/>
           </a:p>
@@ -2420,7 +2426,7 @@
             <a:fld id="{B61BEF0D-F0BB-DE4B-95CE-6DB70DBA9567}" type="datetimeFigureOut">
               <a:rPr lang="en-US" dirty="0"/>
               <a:pPr/>
-              <a:t>1/18/2022</a:t>
+              <a:t>1/22/2022</a:t>
             </a:fld>
             <a:endParaRPr lang="en-US" dirty="0"/>
           </a:p>
@@ -2586,7 +2592,7 @@
           <a:p>
             <a:fld id="{55C6B4A9-1611-4792-9094-5F34BCA07E0B}" type="datetimeFigureOut">
               <a:rPr lang="en-US" dirty="0"/>
-              <a:t>1/18/2022</a:t>
+              <a:t>1/22/2022</a:t>
             </a:fld>
             <a:endParaRPr lang="en-US" dirty="0"/>
           </a:p>
@@ -2762,7 +2768,7 @@
             <a:fld id="{B61BEF0D-F0BB-DE4B-95CE-6DB70DBA9567}" type="datetimeFigureOut">
               <a:rPr lang="en-US" dirty="0"/>
               <a:pPr/>
-              <a:t>1/18/2022</a:t>
+              <a:t>1/22/2022</a:t>
             </a:fld>
             <a:endParaRPr lang="en-US" dirty="0"/>
           </a:p>
@@ -2935,7 +2941,7 @@
             <a:fld id="{B61BEF0D-F0BB-DE4B-95CE-6DB70DBA9567}" type="datetimeFigureOut">
               <a:rPr lang="en-US" dirty="0"/>
               <a:pPr/>
-              <a:t>1/18/2022</a:t>
+              <a:t>1/22/2022</a:t>
             </a:fld>
             <a:endParaRPr lang="en-US" dirty="0"/>
           </a:p>
@@ -3179,7 +3185,7 @@
             <a:fld id="{B61BEF0D-F0BB-DE4B-95CE-6DB70DBA9567}" type="datetimeFigureOut">
               <a:rPr lang="en-US" dirty="0"/>
               <a:pPr/>
-              <a:t>1/18/2022</a:t>
+              <a:t>1/22/2022</a:t>
             </a:fld>
             <a:endParaRPr lang="en-US" dirty="0"/>
           </a:p>
@@ -3407,7 +3413,7 @@
           <a:p>
             <a:fld id="{EB712588-04B1-427B-82EE-E8DB90309F08}" type="datetimeFigureOut">
               <a:rPr lang="en-US" dirty="0"/>
-              <a:t>1/18/2022</a:t>
+              <a:t>1/22/2022</a:t>
             </a:fld>
             <a:endParaRPr lang="en-US" dirty="0"/>
           </a:p>
@@ -3777,7 +3783,7 @@
             <a:fld id="{B61BEF0D-F0BB-DE4B-95CE-6DB70DBA9567}" type="datetimeFigureOut">
               <a:rPr lang="en-US" dirty="0"/>
               <a:pPr/>
-              <a:t>1/18/2022</a:t>
+              <a:t>1/22/2022</a:t>
             </a:fld>
             <a:endParaRPr lang="en-US" dirty="0"/>
           </a:p>
@@ -3897,7 +3903,7 @@
             <a:fld id="{B61BEF0D-F0BB-DE4B-95CE-6DB70DBA9567}" type="datetimeFigureOut">
               <a:rPr lang="en-US" dirty="0"/>
               <a:pPr/>
-              <a:t>1/18/2022</a:t>
+              <a:t>1/22/2022</a:t>
             </a:fld>
             <a:endParaRPr lang="en-US" dirty="0"/>
           </a:p>
@@ -3989,7 +3995,7 @@
             <a:fld id="{B61BEF0D-F0BB-DE4B-95CE-6DB70DBA9567}" type="datetimeFigureOut">
               <a:rPr lang="en-US" dirty="0"/>
               <a:pPr/>
-              <a:t>1/18/2022</a:t>
+              <a:t>1/22/2022</a:t>
             </a:fld>
             <a:endParaRPr lang="en-US" dirty="0"/>
           </a:p>
@@ -4240,7 +4246,7 @@
           <a:p>
             <a:fld id="{42A54C80-263E-416B-A8E0-580EDEADCBDC}" type="datetimeFigureOut">
               <a:rPr lang="en-US" dirty="0"/>
-              <a:t>1/18/2022</a:t>
+              <a:t>1/22/2022</a:t>
             </a:fld>
             <a:endParaRPr lang="en-US" dirty="0"/>
           </a:p>
@@ -4499,7 +4505,7 @@
             <a:fld id="{B61BEF0D-F0BB-DE4B-95CE-6DB70DBA9567}" type="datetimeFigureOut">
               <a:rPr lang="en-US" dirty="0"/>
               <a:pPr/>
-              <a:t>1/18/2022</a:t>
+              <a:t>1/22/2022</a:t>
             </a:fld>
             <a:endParaRPr lang="en-US" dirty="0"/>
           </a:p>
@@ -5241,7 +5247,7 @@
             <a:fld id="{B61BEF0D-F0BB-DE4B-95CE-6DB70DBA9567}" type="datetimeFigureOut">
               <a:rPr lang="en-US" dirty="0"/>
               <a:pPr/>
-              <a:t>1/18/2022</a:t>
+              <a:t>1/22/2022</a:t>
             </a:fld>
             <a:endParaRPr lang="en-US" dirty="0"/>
           </a:p>
@@ -5931,1638 +5937,6 @@
           <a:p>
             <a:r>
               <a:rPr lang="ru-RU" dirty="0" err="1" smtClean="0"/>
-              <a:t>Гейпмлей</a:t>
-            </a:r>
-            <a:r>
-              <a:rPr lang="ru-RU" dirty="0" smtClean="0"/>
-              <a:t>: суть</a:t>
-            </a:r>
-            <a:endParaRPr lang="ru-RU" dirty="0"/>
-          </a:p>
-        </p:txBody>
-      </p:sp>
-      <p:sp>
-        <p:nvSpPr>
-          <p:cNvPr id="3" name="Объект 2"/>
-          <p:cNvSpPr>
-            <a:spLocks noGrp="1"/>
-          </p:cNvSpPr>
-          <p:nvPr>
-            <p:ph idx="1"/>
-          </p:nvPr>
-        </p:nvSpPr>
-        <p:spPr/>
-        <p:txBody>
-          <a:bodyPr/>
-          <a:lstStyle/>
-          <a:p>
-            <a:r>
-              <a:rPr lang="ru-RU" dirty="0" smtClean="0"/>
-              <a:t>Задача – Передвинуть все коробки на кресты.</a:t>
-            </a:r>
-          </a:p>
-          <a:p>
-            <a:r>
-              <a:rPr lang="ru-RU" dirty="0" smtClean="0"/>
-              <a:t>Преодолеть все головоломки.</a:t>
-            </a:r>
-          </a:p>
-          <a:p>
-            <a:r>
-              <a:rPr lang="ru-RU" dirty="0" smtClean="0"/>
-              <a:t>Обойти всех игроков по количеству шагов.</a:t>
-            </a:r>
-            <a:endParaRPr lang="ru-RU" dirty="0"/>
-          </a:p>
-        </p:txBody>
-      </p:sp>
-      <p:sp>
-        <p:nvSpPr>
-          <p:cNvPr id="4" name="TextBox 3"/>
-          <p:cNvSpPr txBox="1"/>
-          <p:nvPr/>
-        </p:nvSpPr>
-        <p:spPr>
-          <a:xfrm>
-            <a:off x="11514667" y="6180667"/>
-            <a:ext cx="677333" cy="646331"/>
-          </a:xfrm>
-          <a:prstGeom prst="rect">
-            <a:avLst/>
-          </a:prstGeom>
-          <a:noFill/>
-        </p:spPr>
-        <p:txBody>
-          <a:bodyPr wrap="square" rtlCol="0">
-            <a:spAutoFit/>
-          </a:bodyPr>
-          <a:lstStyle/>
-          <a:p>
-            <a:r>
-              <a:rPr lang="ru-RU" sz="3600" dirty="0" smtClean="0"/>
-              <a:t>10</a:t>
-            </a:r>
-            <a:endParaRPr lang="ru-RU" sz="3600" dirty="0"/>
-          </a:p>
-        </p:txBody>
-      </p:sp>
-    </p:spTree>
-    <p:extLst>
-      <p:ext uri="{BB962C8B-B14F-4D97-AF65-F5344CB8AC3E}">
-        <p14:creationId xmlns:p14="http://schemas.microsoft.com/office/powerpoint/2010/main" val="2010701814"/>
-      </p:ext>
-    </p:extLst>
-  </p:cSld>
-  <p:clrMapOvr>
-    <a:masterClrMapping/>
-  </p:clrMapOvr>
-</p:sld>
-</file>
-
-<file path=ppt/slides/slide11.xml><?xml version="1.0" encoding="utf-8"?>
-<p:sld xmlns:a="http://schemas.openxmlformats.org/drawingml/2006/main" xmlns:r="http://schemas.openxmlformats.org/officeDocument/2006/relationships" xmlns:p="http://schemas.openxmlformats.org/presentationml/2006/main">
-  <p:cSld>
-    <p:spTree>
-      <p:nvGrpSpPr>
-        <p:cNvPr id="1" name=""/>
-        <p:cNvGrpSpPr/>
-        <p:nvPr/>
-      </p:nvGrpSpPr>
-      <p:grpSpPr>
-        <a:xfrm>
-          <a:off x="0" y="0"/>
-          <a:ext cx="0" cy="0"/>
-          <a:chOff x="0" y="0"/>
-          <a:chExt cx="0" cy="0"/>
-        </a:xfrm>
-      </p:grpSpPr>
-      <p:sp>
-        <p:nvSpPr>
-          <p:cNvPr id="2" name="Заголовок 1"/>
-          <p:cNvSpPr>
-            <a:spLocks noGrp="1"/>
-          </p:cNvSpPr>
-          <p:nvPr>
-            <p:ph type="title"/>
-          </p:nvPr>
-        </p:nvSpPr>
-        <p:spPr/>
-        <p:txBody>
-          <a:bodyPr/>
-          <a:lstStyle/>
-          <a:p>
-            <a:r>
-              <a:rPr lang="ru-RU" dirty="0" smtClean="0"/>
-              <a:t>Заключение</a:t>
-            </a:r>
-            <a:endParaRPr lang="ru-RU" dirty="0"/>
-          </a:p>
-        </p:txBody>
-      </p:sp>
-      <p:sp>
-        <p:nvSpPr>
-          <p:cNvPr id="3" name="Объект 2"/>
-          <p:cNvSpPr>
-            <a:spLocks noGrp="1"/>
-          </p:cNvSpPr>
-          <p:nvPr>
-            <p:ph idx="1"/>
-          </p:nvPr>
-        </p:nvSpPr>
-        <p:spPr/>
-        <p:txBody>
-          <a:bodyPr/>
-          <a:lstStyle/>
-          <a:p>
-            <a:pPr marL="0" indent="0">
-              <a:buNone/>
-            </a:pPr>
-            <a:r>
-              <a:rPr lang="ru-RU" dirty="0" smtClean="0"/>
-              <a:t>Игра имеет множество недочётов, которые мы в скором времени постараемся исправить. В них входят:</a:t>
-            </a:r>
-          </a:p>
-          <a:p>
-            <a:r>
-              <a:rPr lang="ru-RU" dirty="0" smtClean="0"/>
-              <a:t>Всего 934 строки из 1500 на момент 19.01.22</a:t>
-            </a:r>
-            <a:r>
-              <a:rPr lang="en-US" dirty="0" smtClean="0"/>
-              <a:t>;</a:t>
-            </a:r>
-          </a:p>
-          <a:p>
-            <a:r>
-              <a:rPr lang="ru-RU" dirty="0" smtClean="0"/>
-              <a:t>Не выполнена система подсчёта рекордов</a:t>
-            </a:r>
-            <a:r>
-              <a:rPr lang="en-US" dirty="0" smtClean="0"/>
-              <a:t>;</a:t>
-            </a:r>
-          </a:p>
-          <a:p>
-            <a:r>
-              <a:rPr lang="ru-RU" dirty="0" smtClean="0"/>
-              <a:t>Не подключена база данных.</a:t>
-            </a:r>
-            <a:endParaRPr lang="ru-RU" dirty="0"/>
-          </a:p>
-        </p:txBody>
-      </p:sp>
-      <p:sp>
-        <p:nvSpPr>
-          <p:cNvPr id="4" name="TextBox 3"/>
-          <p:cNvSpPr txBox="1"/>
-          <p:nvPr/>
-        </p:nvSpPr>
-        <p:spPr>
-          <a:xfrm>
-            <a:off x="11446933" y="6180667"/>
-            <a:ext cx="745069" cy="646331"/>
-          </a:xfrm>
-          <a:prstGeom prst="rect">
-            <a:avLst/>
-          </a:prstGeom>
-          <a:noFill/>
-        </p:spPr>
-        <p:txBody>
-          <a:bodyPr wrap="square" rtlCol="0">
-            <a:spAutoFit/>
-          </a:bodyPr>
-          <a:lstStyle/>
-          <a:p>
-            <a:r>
-              <a:rPr lang="ru-RU" sz="3600" dirty="0" smtClean="0"/>
-              <a:t>11</a:t>
-            </a:r>
-            <a:endParaRPr lang="ru-RU" sz="3600" dirty="0"/>
-          </a:p>
-        </p:txBody>
-      </p:sp>
-    </p:spTree>
-    <p:extLst>
-      <p:ext uri="{BB962C8B-B14F-4D97-AF65-F5344CB8AC3E}">
-        <p14:creationId xmlns:p14="http://schemas.microsoft.com/office/powerpoint/2010/main" val="3125725736"/>
-      </p:ext>
-    </p:extLst>
-  </p:cSld>
-  <p:clrMapOvr>
-    <a:masterClrMapping/>
-  </p:clrMapOvr>
-</p:sld>
-</file>
-
-<file path=ppt/slides/slide2.xml><?xml version="1.0" encoding="utf-8"?>
-<p:sld xmlns:a="http://schemas.openxmlformats.org/drawingml/2006/main" xmlns:r="http://schemas.openxmlformats.org/officeDocument/2006/relationships" xmlns:p="http://schemas.openxmlformats.org/presentationml/2006/main">
-  <p:cSld>
-    <p:spTree>
-      <p:nvGrpSpPr>
-        <p:cNvPr id="1" name=""/>
-        <p:cNvGrpSpPr/>
-        <p:nvPr/>
-      </p:nvGrpSpPr>
-      <p:grpSpPr>
-        <a:xfrm>
-          <a:off x="0" y="0"/>
-          <a:ext cx="0" cy="0"/>
-          <a:chOff x="0" y="0"/>
-          <a:chExt cx="0" cy="0"/>
-        </a:xfrm>
-      </p:grpSpPr>
-      <p:sp>
-        <p:nvSpPr>
-          <p:cNvPr id="2" name="Заголовок 1"/>
-          <p:cNvSpPr>
-            <a:spLocks noGrp="1"/>
-          </p:cNvSpPr>
-          <p:nvPr>
-            <p:ph type="title"/>
-          </p:nvPr>
-        </p:nvSpPr>
-        <p:spPr/>
-        <p:txBody>
-          <a:bodyPr/>
-          <a:lstStyle/>
-          <a:p>
-            <a:r>
-              <a:rPr lang="ru-RU" dirty="0" smtClean="0"/>
-              <a:t>Оглавление</a:t>
-            </a:r>
-            <a:endParaRPr lang="ru-RU" dirty="0"/>
-          </a:p>
-        </p:txBody>
-      </p:sp>
-      <p:sp>
-        <p:nvSpPr>
-          <p:cNvPr id="3" name="Объект 2"/>
-          <p:cNvSpPr>
-            <a:spLocks noGrp="1"/>
-          </p:cNvSpPr>
-          <p:nvPr>
-            <p:ph idx="1"/>
-          </p:nvPr>
-        </p:nvSpPr>
-        <p:spPr/>
-        <p:txBody>
-          <a:bodyPr/>
-          <a:lstStyle/>
-          <a:p>
-            <a:r>
-              <a:rPr lang="ru-RU" dirty="0" smtClean="0"/>
-              <a:t>Страница 1 – Заголовок презентации</a:t>
-            </a:r>
-          </a:p>
-          <a:p>
-            <a:r>
-              <a:rPr lang="ru-RU" dirty="0" smtClean="0"/>
-              <a:t>Страница 2 – Оглавление</a:t>
-            </a:r>
-          </a:p>
-          <a:p>
-            <a:r>
-              <a:rPr lang="ru-RU" dirty="0" smtClean="0"/>
-              <a:t>Страница 3 – Идея проекта</a:t>
-            </a:r>
-          </a:p>
-          <a:p>
-            <a:r>
-              <a:rPr lang="ru-RU" dirty="0" smtClean="0"/>
-              <a:t>Страница 4 – Структура</a:t>
-            </a:r>
-          </a:p>
-          <a:p>
-            <a:r>
-              <a:rPr lang="ru-RU" dirty="0" smtClean="0"/>
-              <a:t>Страница 9 – </a:t>
-            </a:r>
-            <a:r>
-              <a:rPr lang="ru-RU" dirty="0" err="1" smtClean="0"/>
-              <a:t>Геймплей</a:t>
-            </a:r>
-            <a:endParaRPr lang="ru-RU" dirty="0" smtClean="0"/>
-          </a:p>
-          <a:p>
-            <a:r>
-              <a:rPr lang="ru-RU" dirty="0" smtClean="0"/>
-              <a:t>Страница 11 - Заключение</a:t>
-            </a:r>
-            <a:endParaRPr lang="ru-RU" dirty="0"/>
-          </a:p>
-        </p:txBody>
-      </p:sp>
-      <p:sp>
-        <p:nvSpPr>
-          <p:cNvPr id="4" name="TextBox 3"/>
-          <p:cNvSpPr txBox="1"/>
-          <p:nvPr/>
-        </p:nvSpPr>
-        <p:spPr>
-          <a:xfrm>
-            <a:off x="11751733" y="6180667"/>
-            <a:ext cx="440267" cy="646331"/>
-          </a:xfrm>
-          <a:prstGeom prst="rect">
-            <a:avLst/>
-          </a:prstGeom>
-          <a:noFill/>
-        </p:spPr>
-        <p:txBody>
-          <a:bodyPr wrap="square" rtlCol="0">
-            <a:spAutoFit/>
-          </a:bodyPr>
-          <a:lstStyle/>
-          <a:p>
-            <a:r>
-              <a:rPr lang="ru-RU" sz="3600" dirty="0"/>
-              <a:t>2</a:t>
-            </a:r>
-            <a:endParaRPr lang="ru-RU" sz="3600" dirty="0"/>
-          </a:p>
-        </p:txBody>
-      </p:sp>
-    </p:spTree>
-    <p:extLst>
-      <p:ext uri="{BB962C8B-B14F-4D97-AF65-F5344CB8AC3E}">
-        <p14:creationId xmlns:p14="http://schemas.microsoft.com/office/powerpoint/2010/main" val="4056077884"/>
-      </p:ext>
-    </p:extLst>
-  </p:cSld>
-  <p:clrMapOvr>
-    <a:masterClrMapping/>
-  </p:clrMapOvr>
-  <p:timing>
-    <p:tnLst>
-      <p:par>
-        <p:cTn id="1" dur="indefinite" restart="never" nodeType="tmRoot"/>
-      </p:par>
-    </p:tnLst>
-  </p:timing>
-</p:sld>
-</file>
-
-<file path=ppt/slides/slide3.xml><?xml version="1.0" encoding="utf-8"?>
-<p:sld xmlns:a="http://schemas.openxmlformats.org/drawingml/2006/main" xmlns:r="http://schemas.openxmlformats.org/officeDocument/2006/relationships" xmlns:p="http://schemas.openxmlformats.org/presentationml/2006/main">
-  <p:cSld>
-    <p:spTree>
-      <p:nvGrpSpPr>
-        <p:cNvPr id="1" name=""/>
-        <p:cNvGrpSpPr/>
-        <p:nvPr/>
-      </p:nvGrpSpPr>
-      <p:grpSpPr>
-        <a:xfrm>
-          <a:off x="0" y="0"/>
-          <a:ext cx="0" cy="0"/>
-          <a:chOff x="0" y="0"/>
-          <a:chExt cx="0" cy="0"/>
-        </a:xfrm>
-      </p:grpSpPr>
-      <p:sp>
-        <p:nvSpPr>
-          <p:cNvPr id="2" name="Заголовок 1"/>
-          <p:cNvSpPr>
-            <a:spLocks noGrp="1"/>
-          </p:cNvSpPr>
-          <p:nvPr>
-            <p:ph type="title"/>
-          </p:nvPr>
-        </p:nvSpPr>
-        <p:spPr/>
-        <p:txBody>
-          <a:bodyPr/>
-          <a:lstStyle/>
-          <a:p>
-            <a:r>
-              <a:rPr lang="ru-RU" dirty="0" smtClean="0"/>
-              <a:t>Идея проекта</a:t>
-            </a:r>
-            <a:endParaRPr lang="ru-RU" dirty="0"/>
-          </a:p>
-        </p:txBody>
-      </p:sp>
-      <p:sp>
-        <p:nvSpPr>
-          <p:cNvPr id="3" name="Объект 2"/>
-          <p:cNvSpPr>
-            <a:spLocks noGrp="1"/>
-          </p:cNvSpPr>
-          <p:nvPr>
-            <p:ph idx="1"/>
-          </p:nvPr>
-        </p:nvSpPr>
-        <p:spPr/>
-        <p:txBody>
-          <a:bodyPr/>
-          <a:lstStyle/>
-          <a:p>
-            <a:r>
-              <a:rPr lang="ru-RU" dirty="0" smtClean="0"/>
-              <a:t>Создать игру, развивающую мышление в пространстве.</a:t>
-            </a:r>
-            <a:endParaRPr lang="ru-RU" dirty="0"/>
-          </a:p>
-        </p:txBody>
-      </p:sp>
-      <p:sp>
-        <p:nvSpPr>
-          <p:cNvPr id="4" name="TextBox 3"/>
-          <p:cNvSpPr txBox="1"/>
-          <p:nvPr/>
-        </p:nvSpPr>
-        <p:spPr>
-          <a:xfrm>
-            <a:off x="11751733" y="6180667"/>
-            <a:ext cx="440267" cy="646331"/>
-          </a:xfrm>
-          <a:prstGeom prst="rect">
-            <a:avLst/>
-          </a:prstGeom>
-          <a:noFill/>
-        </p:spPr>
-        <p:txBody>
-          <a:bodyPr wrap="square" rtlCol="0">
-            <a:spAutoFit/>
-          </a:bodyPr>
-          <a:lstStyle/>
-          <a:p>
-            <a:r>
-              <a:rPr lang="ru-RU" sz="3600" dirty="0"/>
-              <a:t>3</a:t>
-            </a:r>
-            <a:endParaRPr lang="ru-RU" sz="3600" dirty="0"/>
-          </a:p>
-        </p:txBody>
-      </p:sp>
-    </p:spTree>
-    <p:extLst>
-      <p:ext uri="{BB962C8B-B14F-4D97-AF65-F5344CB8AC3E}">
-        <p14:creationId xmlns:p14="http://schemas.microsoft.com/office/powerpoint/2010/main" val="1611192548"/>
-      </p:ext>
-    </p:extLst>
-  </p:cSld>
-  <p:clrMapOvr>
-    <a:masterClrMapping/>
-  </p:clrMapOvr>
-  <p:timing>
-    <p:tnLst>
-      <p:par>
-        <p:cTn id="1" dur="indefinite" restart="never" nodeType="tmRoot"/>
-      </p:par>
-    </p:tnLst>
-  </p:timing>
-</p:sld>
-</file>
-
-<file path=ppt/slides/slide4.xml><?xml version="1.0" encoding="utf-8"?>
-<p:sld xmlns:a="http://schemas.openxmlformats.org/drawingml/2006/main" xmlns:r="http://schemas.openxmlformats.org/officeDocument/2006/relationships" xmlns:p="http://schemas.openxmlformats.org/presentationml/2006/main">
-  <p:cSld>
-    <p:spTree>
-      <p:nvGrpSpPr>
-        <p:cNvPr id="1" name=""/>
-        <p:cNvGrpSpPr/>
-        <p:nvPr/>
-      </p:nvGrpSpPr>
-      <p:grpSpPr>
-        <a:xfrm>
-          <a:off x="0" y="0"/>
-          <a:ext cx="0" cy="0"/>
-          <a:chOff x="0" y="0"/>
-          <a:chExt cx="0" cy="0"/>
-        </a:xfrm>
-      </p:grpSpPr>
-      <p:sp>
-        <p:nvSpPr>
-          <p:cNvPr id="2" name="Заголовок 1"/>
-          <p:cNvSpPr>
-            <a:spLocks noGrp="1"/>
-          </p:cNvSpPr>
-          <p:nvPr>
-            <p:ph type="title"/>
-          </p:nvPr>
-        </p:nvSpPr>
-        <p:spPr/>
-        <p:txBody>
-          <a:bodyPr/>
-          <a:lstStyle/>
-          <a:p>
-            <a:r>
-              <a:rPr lang="ru-RU" dirty="0" smtClean="0"/>
-              <a:t>Структура</a:t>
-            </a:r>
-            <a:endParaRPr lang="ru-RU" dirty="0"/>
-          </a:p>
-        </p:txBody>
-      </p:sp>
-      <p:sp>
-        <p:nvSpPr>
-          <p:cNvPr id="3" name="Объект 2"/>
-          <p:cNvSpPr>
-            <a:spLocks noGrp="1"/>
-          </p:cNvSpPr>
-          <p:nvPr>
-            <p:ph idx="1"/>
-          </p:nvPr>
-        </p:nvSpPr>
-        <p:spPr/>
-        <p:txBody>
-          <a:bodyPr/>
-          <a:lstStyle/>
-          <a:p>
-            <a:pPr marL="0" indent="0">
-              <a:buNone/>
-            </a:pPr>
-            <a:r>
-              <a:rPr lang="ru-RU" dirty="0" smtClean="0"/>
-              <a:t>Игра разделена на несколько файлов для удобства:</a:t>
-            </a:r>
-          </a:p>
-          <a:p>
-            <a:r>
-              <a:rPr lang="en-US" dirty="0" smtClean="0"/>
-              <a:t>Main.py – </a:t>
-            </a:r>
-            <a:r>
-              <a:rPr lang="ru-RU" dirty="0" smtClean="0"/>
-              <a:t>основной код игры: логика, физика, </a:t>
-            </a:r>
-            <a:r>
-              <a:rPr lang="ru-RU" dirty="0" err="1" smtClean="0"/>
-              <a:t>отрисовка</a:t>
-            </a:r>
-            <a:r>
-              <a:rPr lang="ru-RU" dirty="0" smtClean="0"/>
-              <a:t> всех элементов игры.</a:t>
-            </a:r>
-          </a:p>
-          <a:p>
-            <a:r>
-              <a:rPr lang="en-US" dirty="0" smtClean="0"/>
-              <a:t>Level</a:t>
-            </a:r>
-            <a:r>
-              <a:rPr lang="ru-RU" dirty="0" smtClean="0"/>
-              <a:t>1</a:t>
-            </a:r>
-            <a:r>
-              <a:rPr lang="en-US" dirty="0" smtClean="0"/>
-              <a:t>.</a:t>
-            </a:r>
-            <a:r>
-              <a:rPr lang="en-US" dirty="0" err="1" smtClean="0"/>
-              <a:t>py</a:t>
-            </a:r>
-            <a:r>
-              <a:rPr lang="ru-RU" dirty="0" smtClean="0"/>
-              <a:t>, </a:t>
-            </a:r>
-            <a:r>
-              <a:rPr lang="en-US" dirty="0" smtClean="0"/>
-              <a:t>Level2.py, Level3.py – </a:t>
-            </a:r>
-            <a:r>
-              <a:rPr lang="ru-RU" dirty="0" smtClean="0"/>
-              <a:t>файлы, содержащие макеты каждого уровня.</a:t>
-            </a:r>
-          </a:p>
-          <a:p>
-            <a:r>
-              <a:rPr lang="en-US" dirty="0" smtClean="0"/>
-              <a:t>Level4.py – </a:t>
-            </a:r>
-            <a:r>
-              <a:rPr lang="ru-RU" dirty="0" smtClean="0"/>
-              <a:t>файл ручного уровня.</a:t>
-            </a:r>
-          </a:p>
-          <a:p>
-            <a:r>
-              <a:rPr lang="en-US" dirty="0" err="1" smtClean="0"/>
-              <a:t>Score.db</a:t>
-            </a:r>
-            <a:r>
-              <a:rPr lang="en-US" dirty="0" smtClean="0"/>
-              <a:t> – </a:t>
-            </a:r>
-            <a:r>
-              <a:rPr lang="ru-RU" dirty="0" smtClean="0"/>
-              <a:t>база данных, содержащая прогресс прохождения игры.</a:t>
-            </a:r>
-          </a:p>
-        </p:txBody>
-      </p:sp>
-      <p:sp>
-        <p:nvSpPr>
-          <p:cNvPr id="4" name="TextBox 3"/>
-          <p:cNvSpPr txBox="1"/>
-          <p:nvPr/>
-        </p:nvSpPr>
-        <p:spPr>
-          <a:xfrm>
-            <a:off x="11751733" y="6180667"/>
-            <a:ext cx="440267" cy="646331"/>
-          </a:xfrm>
-          <a:prstGeom prst="rect">
-            <a:avLst/>
-          </a:prstGeom>
-          <a:noFill/>
-        </p:spPr>
-        <p:txBody>
-          <a:bodyPr wrap="square" rtlCol="0">
-            <a:spAutoFit/>
-          </a:bodyPr>
-          <a:lstStyle/>
-          <a:p>
-            <a:r>
-              <a:rPr lang="ru-RU" sz="3600" dirty="0"/>
-              <a:t>4</a:t>
-            </a:r>
-            <a:endParaRPr lang="ru-RU" sz="3600" dirty="0"/>
-          </a:p>
-        </p:txBody>
-      </p:sp>
-    </p:spTree>
-    <p:extLst>
-      <p:ext uri="{BB962C8B-B14F-4D97-AF65-F5344CB8AC3E}">
-        <p14:creationId xmlns:p14="http://schemas.microsoft.com/office/powerpoint/2010/main" val="2079954421"/>
-      </p:ext>
-    </p:extLst>
-  </p:cSld>
-  <p:clrMapOvr>
-    <a:masterClrMapping/>
-  </p:clrMapOvr>
-  <p:timing>
-    <p:tnLst>
-      <p:par>
-        <p:cTn id="1" dur="indefinite" restart="never" nodeType="tmRoot"/>
-      </p:par>
-    </p:tnLst>
-  </p:timing>
-</p:sld>
-</file>
-
-<file path=ppt/slides/slide5.xml><?xml version="1.0" encoding="utf-8"?>
-<p:sld xmlns:a="http://schemas.openxmlformats.org/drawingml/2006/main" xmlns:r="http://schemas.openxmlformats.org/officeDocument/2006/relationships" xmlns:p="http://schemas.openxmlformats.org/presentationml/2006/main">
-  <p:cSld>
-    <p:spTree>
-      <p:nvGrpSpPr>
-        <p:cNvPr id="1" name=""/>
-        <p:cNvGrpSpPr/>
-        <p:nvPr/>
-      </p:nvGrpSpPr>
-      <p:grpSpPr>
-        <a:xfrm>
-          <a:off x="0" y="0"/>
-          <a:ext cx="0" cy="0"/>
-          <a:chOff x="0" y="0"/>
-          <a:chExt cx="0" cy="0"/>
-        </a:xfrm>
-      </p:grpSpPr>
-      <p:sp>
-        <p:nvSpPr>
-          <p:cNvPr id="2" name="Заголовок 1"/>
-          <p:cNvSpPr>
-            <a:spLocks noGrp="1"/>
-          </p:cNvSpPr>
-          <p:nvPr>
-            <p:ph type="title"/>
-          </p:nvPr>
-        </p:nvSpPr>
-        <p:spPr/>
-        <p:txBody>
-          <a:bodyPr/>
-          <a:lstStyle/>
-          <a:p>
-            <a:r>
-              <a:rPr lang="ru-RU" dirty="0" smtClean="0"/>
-              <a:t>Структура</a:t>
-            </a:r>
-            <a:r>
-              <a:rPr lang="en-US" dirty="0" smtClean="0"/>
-              <a:t> </a:t>
-            </a:r>
-            <a:r>
-              <a:rPr lang="ru-RU" dirty="0" smtClean="0"/>
-              <a:t>кода: Библиотеки</a:t>
-            </a:r>
-            <a:endParaRPr lang="ru-RU" dirty="0"/>
-          </a:p>
-        </p:txBody>
-      </p:sp>
-      <p:sp>
-        <p:nvSpPr>
-          <p:cNvPr id="3" name="Объект 2"/>
-          <p:cNvSpPr>
-            <a:spLocks noGrp="1"/>
-          </p:cNvSpPr>
-          <p:nvPr>
-            <p:ph idx="1"/>
-          </p:nvPr>
-        </p:nvSpPr>
-        <p:spPr/>
-        <p:txBody>
-          <a:bodyPr/>
-          <a:lstStyle/>
-          <a:p>
-            <a:pPr marL="0" indent="0">
-              <a:buNone/>
-            </a:pPr>
-            <a:r>
-              <a:rPr lang="en-US" dirty="0" smtClean="0"/>
-              <a:t>Main.py:</a:t>
-            </a:r>
-            <a:endParaRPr lang="ru-RU" dirty="0" smtClean="0"/>
-          </a:p>
-          <a:p>
-            <a:pPr marL="0" indent="0">
-              <a:buNone/>
-            </a:pPr>
-            <a:r>
-              <a:rPr lang="en-US" dirty="0" err="1" smtClean="0"/>
-              <a:t>Shutil</a:t>
-            </a:r>
-            <a:r>
-              <a:rPr lang="en-US" dirty="0" smtClean="0"/>
-              <a:t> – </a:t>
-            </a:r>
-            <a:r>
-              <a:rPr lang="ru-RU" dirty="0" smtClean="0"/>
-              <a:t>для копирования пользовательского уровня в папку уровней</a:t>
-            </a:r>
-          </a:p>
-          <a:p>
-            <a:pPr marL="0" indent="0">
-              <a:buNone/>
-            </a:pPr>
-            <a:r>
-              <a:rPr lang="en-US" dirty="0" smtClean="0"/>
-              <a:t>Time – </a:t>
-            </a:r>
-            <a:r>
-              <a:rPr lang="ru-RU" dirty="0" smtClean="0"/>
-              <a:t>для получения текущего времени</a:t>
-            </a:r>
-          </a:p>
-          <a:p>
-            <a:pPr marL="0" indent="0">
-              <a:buNone/>
-            </a:pPr>
-            <a:r>
-              <a:rPr lang="en-US" dirty="0" err="1" smtClean="0"/>
-              <a:t>Tkinter</a:t>
-            </a:r>
-            <a:r>
-              <a:rPr lang="en-US" dirty="0" smtClean="0"/>
-              <a:t> – </a:t>
-            </a:r>
-            <a:r>
-              <a:rPr lang="ru-RU" dirty="0" smtClean="0"/>
-              <a:t>помогает открыть пользовательский уровень</a:t>
-            </a:r>
-          </a:p>
-          <a:p>
-            <a:pPr marL="0" indent="0">
-              <a:buNone/>
-            </a:pPr>
-            <a:r>
-              <a:rPr lang="en-US" dirty="0" err="1" smtClean="0"/>
-              <a:t>Pygame</a:t>
-            </a:r>
-            <a:r>
-              <a:rPr lang="en-US" dirty="0" smtClean="0"/>
-              <a:t> – </a:t>
-            </a:r>
-            <a:r>
-              <a:rPr lang="ru-RU" dirty="0" smtClean="0"/>
-              <a:t>сам </a:t>
-            </a:r>
-            <a:r>
-              <a:rPr lang="en-US" dirty="0" err="1" smtClean="0"/>
-              <a:t>pygame</a:t>
-            </a:r>
-            <a:r>
-              <a:rPr lang="en-US" dirty="0" smtClean="0"/>
-              <a:t>, </a:t>
-            </a:r>
-            <a:r>
-              <a:rPr lang="ru-RU" dirty="0" smtClean="0"/>
-              <a:t>в представлении не нуждается</a:t>
-            </a:r>
-          </a:p>
-          <a:p>
-            <a:pPr marL="0" indent="0">
-              <a:buNone/>
-            </a:pPr>
-            <a:r>
-              <a:rPr lang="en-US" dirty="0" err="1" smtClean="0"/>
-              <a:t>Pygame_gui</a:t>
-            </a:r>
-            <a:r>
-              <a:rPr lang="en-US" dirty="0" smtClean="0"/>
-              <a:t> – </a:t>
-            </a:r>
-            <a:r>
-              <a:rPr lang="ru-RU" dirty="0" smtClean="0"/>
-              <a:t>для интерфейса</a:t>
-            </a:r>
-          </a:p>
-          <a:p>
-            <a:pPr marL="0" indent="0">
-              <a:buNone/>
-            </a:pPr>
-            <a:r>
-              <a:rPr lang="en-US" dirty="0" err="1" smtClean="0"/>
-              <a:t>Moviepy</a:t>
-            </a:r>
-            <a:r>
-              <a:rPr lang="en-US" dirty="0" smtClean="0"/>
-              <a:t> – </a:t>
-            </a:r>
-            <a:r>
-              <a:rPr lang="ru-RU" dirty="0" smtClean="0"/>
-              <a:t>для воспроизведения заставки</a:t>
-            </a:r>
-          </a:p>
-          <a:p>
-            <a:pPr marL="0" indent="0">
-              <a:buNone/>
-            </a:pPr>
-            <a:r>
-              <a:rPr lang="en-US" dirty="0" err="1" smtClean="0"/>
-              <a:t>Pypresence</a:t>
-            </a:r>
-            <a:r>
-              <a:rPr lang="en-US" dirty="0" smtClean="0"/>
-              <a:t> – </a:t>
-            </a:r>
-            <a:r>
-              <a:rPr lang="ru-RU" dirty="0" smtClean="0"/>
-              <a:t>для статуса </a:t>
-            </a:r>
-            <a:r>
-              <a:rPr lang="en-US" dirty="0" smtClean="0"/>
-              <a:t>discord</a:t>
-            </a:r>
-          </a:p>
-          <a:p>
-            <a:pPr marL="0" indent="0">
-              <a:buNone/>
-            </a:pPr>
-            <a:endParaRPr lang="ru-RU" dirty="0"/>
-          </a:p>
-        </p:txBody>
-      </p:sp>
-      <p:pic>
-        <p:nvPicPr>
-          <p:cNvPr id="4" name="Рисунок 3"/>
-          <p:cNvPicPr>
-            <a:picLocks noChangeAspect="1"/>
-          </p:cNvPicPr>
-          <p:nvPr/>
-        </p:nvPicPr>
-        <p:blipFill>
-          <a:blip r:embed="rId2"/>
-          <a:stretch>
-            <a:fillRect/>
-          </a:stretch>
-        </p:blipFill>
-        <p:spPr>
-          <a:xfrm>
-            <a:off x="5177655" y="4179797"/>
-            <a:ext cx="7001776" cy="2458070"/>
-          </a:xfrm>
-          <a:prstGeom prst="rect">
-            <a:avLst/>
-          </a:prstGeom>
-        </p:spPr>
-      </p:pic>
-      <p:sp>
-        <p:nvSpPr>
-          <p:cNvPr id="5" name="TextBox 4"/>
-          <p:cNvSpPr txBox="1"/>
-          <p:nvPr/>
-        </p:nvSpPr>
-        <p:spPr>
-          <a:xfrm>
-            <a:off x="11751733" y="6180667"/>
-            <a:ext cx="440267" cy="646331"/>
-          </a:xfrm>
-          <a:prstGeom prst="rect">
-            <a:avLst/>
-          </a:prstGeom>
-          <a:noFill/>
-        </p:spPr>
-        <p:txBody>
-          <a:bodyPr wrap="square" rtlCol="0">
-            <a:spAutoFit/>
-          </a:bodyPr>
-          <a:lstStyle/>
-          <a:p>
-            <a:r>
-              <a:rPr lang="ru-RU" sz="3600" dirty="0"/>
-              <a:t>5</a:t>
-            </a:r>
-            <a:endParaRPr lang="ru-RU" sz="3600" dirty="0"/>
-          </a:p>
-        </p:txBody>
-      </p:sp>
-    </p:spTree>
-    <p:extLst>
-      <p:ext uri="{BB962C8B-B14F-4D97-AF65-F5344CB8AC3E}">
-        <p14:creationId xmlns:p14="http://schemas.microsoft.com/office/powerpoint/2010/main" val="4289343494"/>
-      </p:ext>
-    </p:extLst>
-  </p:cSld>
-  <p:clrMapOvr>
-    <a:masterClrMapping/>
-  </p:clrMapOvr>
-  <p:timing>
-    <p:tnLst>
-      <p:par>
-        <p:cTn id="1" dur="indefinite" restart="never" nodeType="tmRoot"/>
-      </p:par>
-    </p:tnLst>
-  </p:timing>
-</p:sld>
-</file>
-
-<file path=ppt/slides/slide6.xml><?xml version="1.0" encoding="utf-8"?>
-<p:sld xmlns:a="http://schemas.openxmlformats.org/drawingml/2006/main" xmlns:r="http://schemas.openxmlformats.org/officeDocument/2006/relationships" xmlns:p="http://schemas.openxmlformats.org/presentationml/2006/main">
-  <p:cSld>
-    <p:spTree>
-      <p:nvGrpSpPr>
-        <p:cNvPr id="1" name=""/>
-        <p:cNvGrpSpPr/>
-        <p:nvPr/>
-      </p:nvGrpSpPr>
-      <p:grpSpPr>
-        <a:xfrm>
-          <a:off x="0" y="0"/>
-          <a:ext cx="0" cy="0"/>
-          <a:chOff x="0" y="0"/>
-          <a:chExt cx="0" cy="0"/>
-        </a:xfrm>
-      </p:grpSpPr>
-      <p:sp>
-        <p:nvSpPr>
-          <p:cNvPr id="2" name="Заголовок 1"/>
-          <p:cNvSpPr>
-            <a:spLocks noGrp="1"/>
-          </p:cNvSpPr>
-          <p:nvPr>
-            <p:ph type="title"/>
-          </p:nvPr>
-        </p:nvSpPr>
-        <p:spPr/>
-        <p:txBody>
-          <a:bodyPr/>
-          <a:lstStyle/>
-          <a:p>
-            <a:r>
-              <a:rPr lang="ru-RU" dirty="0" smtClean="0"/>
-              <a:t>Структура кода: Классы</a:t>
-            </a:r>
-            <a:endParaRPr lang="ru-RU" dirty="0"/>
-          </a:p>
-        </p:txBody>
-      </p:sp>
-      <p:sp>
-        <p:nvSpPr>
-          <p:cNvPr id="3" name="Объект 2"/>
-          <p:cNvSpPr>
-            <a:spLocks noGrp="1"/>
-          </p:cNvSpPr>
-          <p:nvPr>
-            <p:ph idx="1"/>
-          </p:nvPr>
-        </p:nvSpPr>
-        <p:spPr/>
-        <p:txBody>
-          <a:bodyPr>
-            <a:normAutofit lnSpcReduction="10000"/>
-          </a:bodyPr>
-          <a:lstStyle/>
-          <a:p>
-            <a:pPr marL="0" indent="0">
-              <a:buNone/>
-            </a:pPr>
-            <a:r>
-              <a:rPr lang="en-US" dirty="0" smtClean="0"/>
-              <a:t>Main.py:</a:t>
-            </a:r>
-            <a:endParaRPr lang="ru-RU" dirty="0" smtClean="0"/>
-          </a:p>
-          <a:p>
-            <a:pPr marL="0" indent="0">
-              <a:buNone/>
-            </a:pPr>
-            <a:r>
-              <a:rPr lang="en-US" dirty="0" smtClean="0"/>
-              <a:t>Board:</a:t>
-            </a:r>
-          </a:p>
-          <a:p>
-            <a:pPr marL="0" indent="0">
-              <a:buNone/>
-            </a:pPr>
-            <a:r>
-              <a:rPr lang="en-US" dirty="0" err="1" smtClean="0"/>
-              <a:t>def</a:t>
-            </a:r>
-            <a:r>
-              <a:rPr lang="en-US" dirty="0" smtClean="0"/>
-              <a:t> __</a:t>
-            </a:r>
-            <a:r>
-              <a:rPr lang="en-US" dirty="0" err="1" smtClean="0"/>
-              <a:t>init</a:t>
-            </a:r>
-            <a:r>
-              <a:rPr lang="en-US" dirty="0" smtClean="0"/>
-              <a:t>__ - </a:t>
-            </a:r>
-            <a:r>
-              <a:rPr lang="ru-RU" dirty="0" smtClean="0"/>
-              <a:t>задаём все значения,</a:t>
-            </a:r>
-          </a:p>
-          <a:p>
-            <a:pPr marL="0" indent="0">
-              <a:buNone/>
-            </a:pPr>
-            <a:r>
-              <a:rPr lang="ru-RU" dirty="0" smtClean="0"/>
-              <a:t>необходимые в будущем</a:t>
-            </a:r>
-          </a:p>
-          <a:p>
-            <a:pPr marL="0" indent="0">
-              <a:buNone/>
-            </a:pPr>
-            <a:r>
-              <a:rPr lang="en-US" dirty="0" err="1" smtClean="0"/>
-              <a:t>def</a:t>
-            </a:r>
-            <a:r>
-              <a:rPr lang="en-US" dirty="0" smtClean="0"/>
-              <a:t> render – </a:t>
-            </a:r>
-            <a:r>
-              <a:rPr lang="ru-RU" dirty="0" smtClean="0"/>
-              <a:t>отвечает за </a:t>
-            </a:r>
-            <a:r>
-              <a:rPr lang="ru-RU" dirty="0" err="1" smtClean="0"/>
-              <a:t>отрисовку</a:t>
-            </a:r>
-            <a:r>
-              <a:rPr lang="ru-RU" dirty="0" smtClean="0"/>
-              <a:t> поля</a:t>
-            </a:r>
-          </a:p>
-          <a:p>
-            <a:pPr marL="0" indent="0">
-              <a:buNone/>
-            </a:pPr>
-            <a:r>
-              <a:rPr lang="en-US" dirty="0" err="1" smtClean="0"/>
-              <a:t>def</a:t>
-            </a:r>
-            <a:r>
-              <a:rPr lang="en-US" dirty="0" smtClean="0"/>
-              <a:t> </a:t>
-            </a:r>
-            <a:r>
-              <a:rPr lang="en-US" dirty="0" err="1" smtClean="0"/>
-              <a:t>draw_player</a:t>
-            </a:r>
-            <a:r>
-              <a:rPr lang="en-US" dirty="0" smtClean="0"/>
-              <a:t> – </a:t>
-            </a:r>
-            <a:r>
-              <a:rPr lang="ru-RU" dirty="0" smtClean="0"/>
-              <a:t>отвечает за </a:t>
-            </a:r>
-            <a:r>
-              <a:rPr lang="ru-RU" dirty="0" err="1" smtClean="0"/>
-              <a:t>отрисовку</a:t>
-            </a:r>
-            <a:endParaRPr lang="ru-RU" dirty="0" smtClean="0"/>
-          </a:p>
-          <a:p>
-            <a:pPr marL="0" indent="0">
-              <a:buNone/>
-            </a:pPr>
-            <a:r>
-              <a:rPr lang="ru-RU" dirty="0" smtClean="0"/>
-              <a:t>игрока</a:t>
-            </a:r>
-          </a:p>
-          <a:p>
-            <a:pPr marL="0" indent="0">
-              <a:buNone/>
-            </a:pPr>
-            <a:r>
-              <a:rPr lang="en-US" dirty="0" err="1" smtClean="0"/>
-              <a:t>def</a:t>
-            </a:r>
-            <a:r>
-              <a:rPr lang="en-US" dirty="0" smtClean="0"/>
-              <a:t> move_??? – </a:t>
-            </a:r>
-            <a:r>
-              <a:rPr lang="ru-RU" dirty="0" smtClean="0"/>
-              <a:t>отвечают за</a:t>
-            </a:r>
-          </a:p>
-          <a:p>
-            <a:pPr marL="0" indent="0">
-              <a:buNone/>
-            </a:pPr>
-            <a:r>
-              <a:rPr lang="ru-RU" dirty="0" smtClean="0"/>
-              <a:t>передвижение игрока в разные</a:t>
-            </a:r>
-          </a:p>
-          <a:p>
-            <a:pPr marL="0" indent="0">
-              <a:buNone/>
-            </a:pPr>
-            <a:r>
-              <a:rPr lang="ru-RU" dirty="0" smtClean="0"/>
-              <a:t>стороны</a:t>
-            </a:r>
-            <a:endParaRPr lang="ru-RU" dirty="0"/>
-          </a:p>
-        </p:txBody>
-      </p:sp>
-      <p:pic>
-        <p:nvPicPr>
-          <p:cNvPr id="4" name="Рисунок 3"/>
-          <p:cNvPicPr>
-            <a:picLocks noChangeAspect="1"/>
-          </p:cNvPicPr>
-          <p:nvPr/>
-        </p:nvPicPr>
-        <p:blipFill>
-          <a:blip r:embed="rId2"/>
-          <a:stretch>
-            <a:fillRect/>
-          </a:stretch>
-        </p:blipFill>
-        <p:spPr>
-          <a:xfrm>
-            <a:off x="5232400" y="1665467"/>
-            <a:ext cx="6434667" cy="4871015"/>
-          </a:xfrm>
-          <a:prstGeom prst="rect">
-            <a:avLst/>
-          </a:prstGeom>
-        </p:spPr>
-      </p:pic>
-      <p:sp>
-        <p:nvSpPr>
-          <p:cNvPr id="5" name="TextBox 4"/>
-          <p:cNvSpPr txBox="1"/>
-          <p:nvPr/>
-        </p:nvSpPr>
-        <p:spPr>
-          <a:xfrm>
-            <a:off x="11751733" y="6180667"/>
-            <a:ext cx="440267" cy="646331"/>
-          </a:xfrm>
-          <a:prstGeom prst="rect">
-            <a:avLst/>
-          </a:prstGeom>
-          <a:noFill/>
-        </p:spPr>
-        <p:txBody>
-          <a:bodyPr wrap="square" rtlCol="0">
-            <a:spAutoFit/>
-          </a:bodyPr>
-          <a:lstStyle/>
-          <a:p>
-            <a:r>
-              <a:rPr lang="ru-RU" sz="3600" dirty="0"/>
-              <a:t>6</a:t>
-            </a:r>
-            <a:endParaRPr lang="ru-RU" sz="3600" dirty="0"/>
-          </a:p>
-        </p:txBody>
-      </p:sp>
-    </p:spTree>
-    <p:extLst>
-      <p:ext uri="{BB962C8B-B14F-4D97-AF65-F5344CB8AC3E}">
-        <p14:creationId xmlns:p14="http://schemas.microsoft.com/office/powerpoint/2010/main" val="1736367431"/>
-      </p:ext>
-    </p:extLst>
-  </p:cSld>
-  <p:clrMapOvr>
-    <a:masterClrMapping/>
-  </p:clrMapOvr>
-  <p:timing>
-    <p:tnLst>
-      <p:par>
-        <p:cTn id="1" dur="indefinite" restart="never" nodeType="tmRoot"/>
-      </p:par>
-    </p:tnLst>
-  </p:timing>
-</p:sld>
-</file>
-
-<file path=ppt/slides/slide7.xml><?xml version="1.0" encoding="utf-8"?>
-<p:sld xmlns:a="http://schemas.openxmlformats.org/drawingml/2006/main" xmlns:r="http://schemas.openxmlformats.org/officeDocument/2006/relationships" xmlns:p="http://schemas.openxmlformats.org/presentationml/2006/main">
-  <p:cSld>
-    <p:spTree>
-      <p:nvGrpSpPr>
-        <p:cNvPr id="1" name=""/>
-        <p:cNvGrpSpPr/>
-        <p:nvPr/>
-      </p:nvGrpSpPr>
-      <p:grpSpPr>
-        <a:xfrm>
-          <a:off x="0" y="0"/>
-          <a:ext cx="0" cy="0"/>
-          <a:chOff x="0" y="0"/>
-          <a:chExt cx="0" cy="0"/>
-        </a:xfrm>
-      </p:grpSpPr>
-      <p:sp>
-        <p:nvSpPr>
-          <p:cNvPr id="2" name="Заголовок 1"/>
-          <p:cNvSpPr>
-            <a:spLocks noGrp="1"/>
-          </p:cNvSpPr>
-          <p:nvPr>
-            <p:ph type="title"/>
-          </p:nvPr>
-        </p:nvSpPr>
-        <p:spPr/>
-        <p:txBody>
-          <a:bodyPr/>
-          <a:lstStyle/>
-          <a:p>
-            <a:r>
-              <a:rPr lang="ru-RU" dirty="0" smtClean="0"/>
-              <a:t>Структура кода: Классы</a:t>
-            </a:r>
-            <a:endParaRPr lang="ru-RU" dirty="0"/>
-          </a:p>
-        </p:txBody>
-      </p:sp>
-      <p:sp>
-        <p:nvSpPr>
-          <p:cNvPr id="3" name="Объект 2"/>
-          <p:cNvSpPr>
-            <a:spLocks noGrp="1"/>
-          </p:cNvSpPr>
-          <p:nvPr>
-            <p:ph idx="1"/>
-          </p:nvPr>
-        </p:nvSpPr>
-        <p:spPr/>
-        <p:txBody>
-          <a:bodyPr/>
-          <a:lstStyle/>
-          <a:p>
-            <a:pPr marL="0" indent="0">
-              <a:buNone/>
-            </a:pPr>
-            <a:r>
-              <a:rPr lang="en-US" dirty="0" smtClean="0"/>
-              <a:t>Level?.py:</a:t>
-            </a:r>
-            <a:endParaRPr lang="ru-RU" dirty="0" smtClean="0"/>
-          </a:p>
-          <a:p>
-            <a:pPr marL="0" indent="0">
-              <a:buNone/>
-            </a:pPr>
-            <a:r>
-              <a:rPr lang="en-US" dirty="0" smtClean="0"/>
-              <a:t>Level:</a:t>
-            </a:r>
-          </a:p>
-          <a:p>
-            <a:pPr marL="0" indent="0">
-              <a:buNone/>
-            </a:pPr>
-            <a:r>
-              <a:rPr lang="en-US" dirty="0" err="1" smtClean="0"/>
-              <a:t>def</a:t>
-            </a:r>
-            <a:r>
-              <a:rPr lang="en-US" dirty="0" smtClean="0"/>
-              <a:t> __</a:t>
-            </a:r>
-            <a:r>
-              <a:rPr lang="en-US" dirty="0" err="1" smtClean="0"/>
-              <a:t>init</a:t>
-            </a:r>
-            <a:r>
-              <a:rPr lang="en-US" dirty="0" smtClean="0"/>
-              <a:t>__ - </a:t>
-            </a:r>
-            <a:r>
-              <a:rPr lang="ru-RU" dirty="0" smtClean="0"/>
-              <a:t>задаём значения стен, коробок, крестов и игрока</a:t>
-            </a:r>
-            <a:endParaRPr lang="ru-RU" dirty="0"/>
-          </a:p>
-        </p:txBody>
-      </p:sp>
-      <p:pic>
-        <p:nvPicPr>
-          <p:cNvPr id="5" name="Рисунок 4"/>
-          <p:cNvPicPr>
-            <a:picLocks noChangeAspect="1"/>
-          </p:cNvPicPr>
-          <p:nvPr/>
-        </p:nvPicPr>
-        <p:blipFill>
-          <a:blip r:embed="rId2"/>
-          <a:stretch>
-            <a:fillRect/>
-          </a:stretch>
-        </p:blipFill>
-        <p:spPr>
-          <a:xfrm>
-            <a:off x="1910718" y="2160589"/>
-            <a:ext cx="5658481" cy="815206"/>
-          </a:xfrm>
-          <a:prstGeom prst="rect">
-            <a:avLst/>
-          </a:prstGeom>
-        </p:spPr>
-      </p:pic>
-      <p:sp>
-        <p:nvSpPr>
-          <p:cNvPr id="6" name="TextBox 5"/>
-          <p:cNvSpPr txBox="1"/>
-          <p:nvPr/>
-        </p:nvSpPr>
-        <p:spPr>
-          <a:xfrm>
-            <a:off x="11751733" y="6180667"/>
-            <a:ext cx="440267" cy="646331"/>
-          </a:xfrm>
-          <a:prstGeom prst="rect">
-            <a:avLst/>
-          </a:prstGeom>
-          <a:noFill/>
-        </p:spPr>
-        <p:txBody>
-          <a:bodyPr wrap="square" rtlCol="0">
-            <a:spAutoFit/>
-          </a:bodyPr>
-          <a:lstStyle/>
-          <a:p>
-            <a:r>
-              <a:rPr lang="ru-RU" sz="3600" dirty="0"/>
-              <a:t>7</a:t>
-            </a:r>
-            <a:endParaRPr lang="ru-RU" sz="3600" dirty="0"/>
-          </a:p>
-        </p:txBody>
-      </p:sp>
-    </p:spTree>
-    <p:extLst>
-      <p:ext uri="{BB962C8B-B14F-4D97-AF65-F5344CB8AC3E}">
-        <p14:creationId xmlns:p14="http://schemas.microsoft.com/office/powerpoint/2010/main" val="3551913763"/>
-      </p:ext>
-    </p:extLst>
-  </p:cSld>
-  <p:clrMapOvr>
-    <a:masterClrMapping/>
-  </p:clrMapOvr>
-  <p:timing>
-    <p:tnLst>
-      <p:par>
-        <p:cTn id="1" dur="indefinite" restart="never" nodeType="tmRoot"/>
-      </p:par>
-    </p:tnLst>
-  </p:timing>
-</p:sld>
-</file>
-
-<file path=ppt/slides/slide8.xml><?xml version="1.0" encoding="utf-8"?>
-<p:sld xmlns:a="http://schemas.openxmlformats.org/drawingml/2006/main" xmlns:r="http://schemas.openxmlformats.org/officeDocument/2006/relationships" xmlns:p="http://schemas.openxmlformats.org/presentationml/2006/main">
-  <p:cSld>
-    <p:spTree>
-      <p:nvGrpSpPr>
-        <p:cNvPr id="1" name=""/>
-        <p:cNvGrpSpPr/>
-        <p:nvPr/>
-      </p:nvGrpSpPr>
-      <p:grpSpPr>
-        <a:xfrm>
-          <a:off x="0" y="0"/>
-          <a:ext cx="0" cy="0"/>
-          <a:chOff x="0" y="0"/>
-          <a:chExt cx="0" cy="0"/>
-        </a:xfrm>
-      </p:grpSpPr>
-      <p:sp>
-        <p:nvSpPr>
-          <p:cNvPr id="2" name="Заголовок 1"/>
-          <p:cNvSpPr>
-            <a:spLocks noGrp="1"/>
-          </p:cNvSpPr>
-          <p:nvPr>
-            <p:ph type="title"/>
-          </p:nvPr>
-        </p:nvSpPr>
-        <p:spPr/>
-        <p:txBody>
-          <a:bodyPr/>
-          <a:lstStyle/>
-          <a:p>
-            <a:r>
-              <a:rPr lang="ru-RU" dirty="0" smtClean="0"/>
-              <a:t>Структура кода: Вне классов</a:t>
-            </a:r>
-            <a:endParaRPr lang="ru-RU" dirty="0"/>
-          </a:p>
-        </p:txBody>
-      </p:sp>
-      <p:sp>
-        <p:nvSpPr>
-          <p:cNvPr id="3" name="Объект 2"/>
-          <p:cNvSpPr>
-            <a:spLocks noGrp="1"/>
-          </p:cNvSpPr>
-          <p:nvPr>
-            <p:ph idx="1"/>
-          </p:nvPr>
-        </p:nvSpPr>
-        <p:spPr/>
-        <p:txBody>
-          <a:bodyPr/>
-          <a:lstStyle/>
-          <a:p>
-            <a:pPr marL="0" indent="0">
-              <a:buNone/>
-            </a:pPr>
-            <a:r>
-              <a:rPr lang="en-US" dirty="0" smtClean="0"/>
-              <a:t>Main.py:</a:t>
-            </a:r>
-          </a:p>
-          <a:p>
-            <a:pPr marL="0" indent="0">
-              <a:buNone/>
-            </a:pPr>
-            <a:r>
-              <a:rPr lang="en-US" dirty="0" err="1" smtClean="0"/>
-              <a:t>def</a:t>
-            </a:r>
-            <a:r>
-              <a:rPr lang="en-US" dirty="0" smtClean="0"/>
-              <a:t> </a:t>
-            </a:r>
-            <a:r>
-              <a:rPr lang="en-US" dirty="0" err="1" smtClean="0"/>
-              <a:t>UserFile</a:t>
-            </a:r>
-            <a:r>
-              <a:rPr lang="en-US" dirty="0"/>
-              <a:t> </a:t>
-            </a:r>
-            <a:r>
-              <a:rPr lang="en-US" dirty="0" smtClean="0"/>
-              <a:t>– </a:t>
-            </a:r>
-            <a:r>
-              <a:rPr lang="ru-RU" dirty="0" smtClean="0"/>
-              <a:t>открытие файлов</a:t>
-            </a:r>
-          </a:p>
-          <a:p>
-            <a:pPr marL="0" indent="0">
-              <a:buNone/>
-            </a:pPr>
-            <a:r>
-              <a:rPr lang="en-US" dirty="0" smtClean="0"/>
-              <a:t>If __name__ == ‘__main__’ – </a:t>
-            </a:r>
-            <a:r>
-              <a:rPr lang="ru-RU" dirty="0" smtClean="0"/>
-              <a:t>запуск программы, содержит в себе все параметры кнопок</a:t>
-            </a:r>
-            <a:endParaRPr lang="en-US" dirty="0" smtClean="0"/>
-          </a:p>
-        </p:txBody>
-      </p:sp>
-      <p:pic>
-        <p:nvPicPr>
-          <p:cNvPr id="4" name="Рисунок 3"/>
-          <p:cNvPicPr>
-            <a:picLocks noChangeAspect="1"/>
-          </p:cNvPicPr>
-          <p:nvPr/>
-        </p:nvPicPr>
-        <p:blipFill>
-          <a:blip r:embed="rId2"/>
-          <a:stretch>
-            <a:fillRect/>
-          </a:stretch>
-        </p:blipFill>
-        <p:spPr>
-          <a:xfrm>
-            <a:off x="2819115" y="3396073"/>
-            <a:ext cx="5117815" cy="1844793"/>
-          </a:xfrm>
-          <a:prstGeom prst="rect">
-            <a:avLst/>
-          </a:prstGeom>
-        </p:spPr>
-      </p:pic>
-      <p:sp>
-        <p:nvSpPr>
-          <p:cNvPr id="5" name="TextBox 4"/>
-          <p:cNvSpPr txBox="1"/>
-          <p:nvPr/>
-        </p:nvSpPr>
-        <p:spPr>
-          <a:xfrm>
-            <a:off x="11751733" y="6180667"/>
-            <a:ext cx="440267" cy="646331"/>
-          </a:xfrm>
-          <a:prstGeom prst="rect">
-            <a:avLst/>
-          </a:prstGeom>
-          <a:noFill/>
-        </p:spPr>
-        <p:txBody>
-          <a:bodyPr wrap="square" rtlCol="0">
-            <a:spAutoFit/>
-          </a:bodyPr>
-          <a:lstStyle/>
-          <a:p>
-            <a:r>
-              <a:rPr lang="ru-RU" sz="3600" dirty="0" smtClean="0"/>
-              <a:t>8</a:t>
-            </a:r>
-            <a:endParaRPr lang="ru-RU" sz="3600" dirty="0"/>
-          </a:p>
-        </p:txBody>
-      </p:sp>
-    </p:spTree>
-    <p:extLst>
-      <p:ext uri="{BB962C8B-B14F-4D97-AF65-F5344CB8AC3E}">
-        <p14:creationId xmlns:p14="http://schemas.microsoft.com/office/powerpoint/2010/main" val="125632875"/>
-      </p:ext>
-    </p:extLst>
-  </p:cSld>
-  <p:clrMapOvr>
-    <a:masterClrMapping/>
-  </p:clrMapOvr>
-  <p:timing>
-    <p:tnLst>
-      <p:par>
-        <p:cTn id="1" dur="indefinite" restart="never" nodeType="tmRoot"/>
-      </p:par>
-    </p:tnLst>
-  </p:timing>
-</p:sld>
-</file>
-
-<file path=ppt/slides/slide9.xml><?xml version="1.0" encoding="utf-8"?>
-<p:sld xmlns:a="http://schemas.openxmlformats.org/drawingml/2006/main" xmlns:r="http://schemas.openxmlformats.org/officeDocument/2006/relationships" xmlns:p="http://schemas.openxmlformats.org/presentationml/2006/main">
-  <p:cSld>
-    <p:spTree>
-      <p:nvGrpSpPr>
-        <p:cNvPr id="1" name=""/>
-        <p:cNvGrpSpPr/>
-        <p:nvPr/>
-      </p:nvGrpSpPr>
-      <p:grpSpPr>
-        <a:xfrm>
-          <a:off x="0" y="0"/>
-          <a:ext cx="0" cy="0"/>
-          <a:chOff x="0" y="0"/>
-          <a:chExt cx="0" cy="0"/>
-        </a:xfrm>
-      </p:grpSpPr>
-      <p:sp>
-        <p:nvSpPr>
-          <p:cNvPr id="2" name="Заголовок 1"/>
-          <p:cNvSpPr>
-            <a:spLocks noGrp="1"/>
-          </p:cNvSpPr>
-          <p:nvPr>
-            <p:ph type="title"/>
-          </p:nvPr>
-        </p:nvSpPr>
-        <p:spPr/>
-        <p:txBody>
-          <a:bodyPr/>
-          <a:lstStyle/>
-          <a:p>
-            <a:r>
-              <a:rPr lang="ru-RU" dirty="0" err="1" smtClean="0"/>
               <a:t>Геймплей</a:t>
             </a:r>
             <a:r>
@@ -7885,7 +6259,6 @@
               <a:rPr lang="ru-RU" sz="3600" dirty="0"/>
               <a:t>9</a:t>
             </a:r>
-            <a:endParaRPr lang="ru-RU" sz="3600" dirty="0"/>
           </a:p>
         </p:txBody>
       </p:sp>
@@ -7899,6 +6272,1837 @@
   <p:clrMapOvr>
     <a:masterClrMapping/>
   </p:clrMapOvr>
+</p:sld>
+</file>
+
+<file path=ppt/slides/slide11.xml><?xml version="1.0" encoding="utf-8"?>
+<p:sld xmlns:a="http://schemas.openxmlformats.org/drawingml/2006/main" xmlns:r="http://schemas.openxmlformats.org/officeDocument/2006/relationships" xmlns:p="http://schemas.openxmlformats.org/presentationml/2006/main">
+  <p:cSld>
+    <p:spTree>
+      <p:nvGrpSpPr>
+        <p:cNvPr id="1" name=""/>
+        <p:cNvGrpSpPr/>
+        <p:nvPr/>
+      </p:nvGrpSpPr>
+      <p:grpSpPr>
+        <a:xfrm>
+          <a:off x="0" y="0"/>
+          <a:ext cx="0" cy="0"/>
+          <a:chOff x="0" y="0"/>
+          <a:chExt cx="0" cy="0"/>
+        </a:xfrm>
+      </p:grpSpPr>
+      <p:sp>
+        <p:nvSpPr>
+          <p:cNvPr id="2" name="Заголовок 1"/>
+          <p:cNvSpPr>
+            <a:spLocks noGrp="1"/>
+          </p:cNvSpPr>
+          <p:nvPr>
+            <p:ph type="title"/>
+          </p:nvPr>
+        </p:nvSpPr>
+        <p:spPr/>
+        <p:txBody>
+          <a:bodyPr/>
+          <a:lstStyle/>
+          <a:p>
+            <a:r>
+              <a:rPr lang="ru-RU" dirty="0" err="1" smtClean="0"/>
+              <a:t>Гейпмлей</a:t>
+            </a:r>
+            <a:r>
+              <a:rPr lang="ru-RU" dirty="0" smtClean="0"/>
+              <a:t>: суть</a:t>
+            </a:r>
+            <a:endParaRPr lang="ru-RU" dirty="0"/>
+          </a:p>
+        </p:txBody>
+      </p:sp>
+      <p:sp>
+        <p:nvSpPr>
+          <p:cNvPr id="3" name="Объект 2"/>
+          <p:cNvSpPr>
+            <a:spLocks noGrp="1"/>
+          </p:cNvSpPr>
+          <p:nvPr>
+            <p:ph idx="1"/>
+          </p:nvPr>
+        </p:nvSpPr>
+        <p:spPr/>
+        <p:txBody>
+          <a:bodyPr/>
+          <a:lstStyle/>
+          <a:p>
+            <a:r>
+              <a:rPr lang="ru-RU" dirty="0" smtClean="0"/>
+              <a:t>Задача – Передвинуть все коробки на кресты.</a:t>
+            </a:r>
+          </a:p>
+          <a:p>
+            <a:r>
+              <a:rPr lang="ru-RU" dirty="0" smtClean="0"/>
+              <a:t>Преодолеть все головоломки.</a:t>
+            </a:r>
+          </a:p>
+          <a:p>
+            <a:r>
+              <a:rPr lang="ru-RU" dirty="0" smtClean="0"/>
+              <a:t>Обойти всех игроков по количеству шагов.</a:t>
+            </a:r>
+            <a:endParaRPr lang="ru-RU" dirty="0"/>
+          </a:p>
+        </p:txBody>
+      </p:sp>
+      <p:sp>
+        <p:nvSpPr>
+          <p:cNvPr id="4" name="TextBox 3"/>
+          <p:cNvSpPr txBox="1"/>
+          <p:nvPr/>
+        </p:nvSpPr>
+        <p:spPr>
+          <a:xfrm>
+            <a:off x="11514667" y="6180667"/>
+            <a:ext cx="677333" cy="646331"/>
+          </a:xfrm>
+          <a:prstGeom prst="rect">
+            <a:avLst/>
+          </a:prstGeom>
+          <a:noFill/>
+        </p:spPr>
+        <p:txBody>
+          <a:bodyPr wrap="square" rtlCol="0">
+            <a:spAutoFit/>
+          </a:bodyPr>
+          <a:lstStyle/>
+          <a:p>
+            <a:r>
+              <a:rPr lang="ru-RU" sz="3600" dirty="0" smtClean="0"/>
+              <a:t>10</a:t>
+            </a:r>
+            <a:endParaRPr lang="ru-RU" sz="3600" dirty="0"/>
+          </a:p>
+        </p:txBody>
+      </p:sp>
+    </p:spTree>
+    <p:extLst>
+      <p:ext uri="{BB962C8B-B14F-4D97-AF65-F5344CB8AC3E}">
+        <p14:creationId xmlns:p14="http://schemas.microsoft.com/office/powerpoint/2010/main" val="2010701814"/>
+      </p:ext>
+    </p:extLst>
+  </p:cSld>
+  <p:clrMapOvr>
+    <a:masterClrMapping/>
+  </p:clrMapOvr>
+</p:sld>
+</file>
+
+<file path=ppt/slides/slide12.xml><?xml version="1.0" encoding="utf-8"?>
+<p:sld xmlns:a="http://schemas.openxmlformats.org/drawingml/2006/main" xmlns:r="http://schemas.openxmlformats.org/officeDocument/2006/relationships" xmlns:p="http://schemas.openxmlformats.org/presentationml/2006/main">
+  <p:cSld>
+    <p:spTree>
+      <p:nvGrpSpPr>
+        <p:cNvPr id="1" name=""/>
+        <p:cNvGrpSpPr/>
+        <p:nvPr/>
+      </p:nvGrpSpPr>
+      <p:grpSpPr>
+        <a:xfrm>
+          <a:off x="0" y="0"/>
+          <a:ext cx="0" cy="0"/>
+          <a:chOff x="0" y="0"/>
+          <a:chExt cx="0" cy="0"/>
+        </a:xfrm>
+      </p:grpSpPr>
+      <p:sp>
+        <p:nvSpPr>
+          <p:cNvPr id="2" name="Заголовок 1"/>
+          <p:cNvSpPr>
+            <a:spLocks noGrp="1"/>
+          </p:cNvSpPr>
+          <p:nvPr>
+            <p:ph type="title"/>
+          </p:nvPr>
+        </p:nvSpPr>
+        <p:spPr/>
+        <p:txBody>
+          <a:bodyPr/>
+          <a:lstStyle/>
+          <a:p>
+            <a:r>
+              <a:rPr lang="ru-RU" dirty="0" smtClean="0"/>
+              <a:t>Заключение</a:t>
+            </a:r>
+            <a:endParaRPr lang="ru-RU" dirty="0"/>
+          </a:p>
+        </p:txBody>
+      </p:sp>
+      <p:sp>
+        <p:nvSpPr>
+          <p:cNvPr id="3" name="Объект 2"/>
+          <p:cNvSpPr>
+            <a:spLocks noGrp="1"/>
+          </p:cNvSpPr>
+          <p:nvPr>
+            <p:ph idx="1"/>
+          </p:nvPr>
+        </p:nvSpPr>
+        <p:spPr/>
+        <p:txBody>
+          <a:bodyPr/>
+          <a:lstStyle/>
+          <a:p>
+            <a:pPr marL="0" indent="0">
+              <a:buNone/>
+            </a:pPr>
+            <a:r>
+              <a:rPr lang="ru-RU" dirty="0" smtClean="0"/>
+              <a:t>Игра </a:t>
+            </a:r>
+            <a:r>
+              <a:rPr lang="ru-RU" smtClean="0"/>
+              <a:t>имеет </a:t>
+            </a:r>
+            <a:r>
+              <a:rPr lang="ru-RU" smtClean="0"/>
+              <a:t>пару</a:t>
+            </a:r>
+            <a:r>
+              <a:rPr lang="ru-RU" smtClean="0"/>
+              <a:t> </a:t>
+            </a:r>
+            <a:r>
+              <a:rPr lang="ru-RU" dirty="0" smtClean="0"/>
+              <a:t>недочётов, которые мы в скором времени постараемся исправить. В них входят:</a:t>
+            </a:r>
+          </a:p>
+          <a:p>
+            <a:r>
+              <a:rPr lang="ru-RU" dirty="0" smtClean="0"/>
+              <a:t>Всего </a:t>
+            </a:r>
+            <a:r>
+              <a:rPr lang="ru-RU" dirty="0"/>
+              <a:t>1293</a:t>
+            </a:r>
+            <a:r>
+              <a:rPr lang="ru-RU" dirty="0" smtClean="0"/>
+              <a:t> </a:t>
+            </a:r>
+            <a:r>
+              <a:rPr lang="ru-RU" dirty="0" smtClean="0"/>
+              <a:t>строки из 1500 на момент </a:t>
+            </a:r>
+            <a:r>
+              <a:rPr lang="ru-RU" dirty="0" smtClean="0"/>
+              <a:t>21</a:t>
+            </a:r>
+            <a:r>
+              <a:rPr lang="ru-RU" dirty="0" smtClean="0"/>
+              <a:t>.01.22</a:t>
+            </a:r>
+            <a:r>
+              <a:rPr lang="en-US" dirty="0" smtClean="0"/>
+              <a:t>;</a:t>
+            </a:r>
+          </a:p>
+          <a:p>
+            <a:r>
+              <a:rPr lang="ru-RU" dirty="0" smtClean="0"/>
+              <a:t>Небольшие баги в работе игры.</a:t>
+            </a:r>
+            <a:endParaRPr lang="ru-RU" dirty="0"/>
+          </a:p>
+        </p:txBody>
+      </p:sp>
+      <p:sp>
+        <p:nvSpPr>
+          <p:cNvPr id="4" name="TextBox 3"/>
+          <p:cNvSpPr txBox="1"/>
+          <p:nvPr/>
+        </p:nvSpPr>
+        <p:spPr>
+          <a:xfrm>
+            <a:off x="11446933" y="6180667"/>
+            <a:ext cx="745069" cy="646331"/>
+          </a:xfrm>
+          <a:prstGeom prst="rect">
+            <a:avLst/>
+          </a:prstGeom>
+          <a:noFill/>
+        </p:spPr>
+        <p:txBody>
+          <a:bodyPr wrap="square" rtlCol="0">
+            <a:spAutoFit/>
+          </a:bodyPr>
+          <a:lstStyle/>
+          <a:p>
+            <a:r>
+              <a:rPr lang="ru-RU" sz="3600" dirty="0" smtClean="0"/>
+              <a:t>11</a:t>
+            </a:r>
+            <a:endParaRPr lang="ru-RU" sz="3600" dirty="0"/>
+          </a:p>
+        </p:txBody>
+      </p:sp>
+    </p:spTree>
+    <p:extLst>
+      <p:ext uri="{BB962C8B-B14F-4D97-AF65-F5344CB8AC3E}">
+        <p14:creationId xmlns:p14="http://schemas.microsoft.com/office/powerpoint/2010/main" val="3125725736"/>
+      </p:ext>
+    </p:extLst>
+  </p:cSld>
+  <p:clrMapOvr>
+    <a:masterClrMapping/>
+  </p:clrMapOvr>
+</p:sld>
+</file>
+
+<file path=ppt/slides/slide2.xml><?xml version="1.0" encoding="utf-8"?>
+<p:sld xmlns:a="http://schemas.openxmlformats.org/drawingml/2006/main" xmlns:r="http://schemas.openxmlformats.org/officeDocument/2006/relationships" xmlns:p="http://schemas.openxmlformats.org/presentationml/2006/main">
+  <p:cSld>
+    <p:spTree>
+      <p:nvGrpSpPr>
+        <p:cNvPr id="1" name=""/>
+        <p:cNvGrpSpPr/>
+        <p:nvPr/>
+      </p:nvGrpSpPr>
+      <p:grpSpPr>
+        <a:xfrm>
+          <a:off x="0" y="0"/>
+          <a:ext cx="0" cy="0"/>
+          <a:chOff x="0" y="0"/>
+          <a:chExt cx="0" cy="0"/>
+        </a:xfrm>
+      </p:grpSpPr>
+      <p:sp>
+        <p:nvSpPr>
+          <p:cNvPr id="2" name="Заголовок 1"/>
+          <p:cNvSpPr>
+            <a:spLocks noGrp="1"/>
+          </p:cNvSpPr>
+          <p:nvPr>
+            <p:ph type="title"/>
+          </p:nvPr>
+        </p:nvSpPr>
+        <p:spPr/>
+        <p:txBody>
+          <a:bodyPr/>
+          <a:lstStyle/>
+          <a:p>
+            <a:r>
+              <a:rPr lang="ru-RU" dirty="0" smtClean="0"/>
+              <a:t>Оглавление</a:t>
+            </a:r>
+            <a:endParaRPr lang="ru-RU" dirty="0"/>
+          </a:p>
+        </p:txBody>
+      </p:sp>
+      <p:sp>
+        <p:nvSpPr>
+          <p:cNvPr id="3" name="Объект 2"/>
+          <p:cNvSpPr>
+            <a:spLocks noGrp="1"/>
+          </p:cNvSpPr>
+          <p:nvPr>
+            <p:ph idx="1"/>
+          </p:nvPr>
+        </p:nvSpPr>
+        <p:spPr/>
+        <p:txBody>
+          <a:bodyPr/>
+          <a:lstStyle/>
+          <a:p>
+            <a:r>
+              <a:rPr lang="ru-RU" dirty="0" smtClean="0"/>
+              <a:t>Страница 1 – Заголовок презентации</a:t>
+            </a:r>
+          </a:p>
+          <a:p>
+            <a:r>
+              <a:rPr lang="ru-RU" dirty="0" smtClean="0"/>
+              <a:t>Страница 2 – Оглавление</a:t>
+            </a:r>
+          </a:p>
+          <a:p>
+            <a:r>
+              <a:rPr lang="ru-RU" dirty="0" smtClean="0"/>
+              <a:t>Страница 3 – Идея проекта</a:t>
+            </a:r>
+          </a:p>
+          <a:p>
+            <a:r>
+              <a:rPr lang="ru-RU" dirty="0" smtClean="0"/>
+              <a:t>Страница 4 – Структура</a:t>
+            </a:r>
+          </a:p>
+          <a:p>
+            <a:r>
+              <a:rPr lang="ru-RU" dirty="0" smtClean="0"/>
+              <a:t>Страница 9 – </a:t>
+            </a:r>
+            <a:r>
+              <a:rPr lang="ru-RU" dirty="0" err="1" smtClean="0"/>
+              <a:t>Геймплей</a:t>
+            </a:r>
+            <a:endParaRPr lang="ru-RU" dirty="0" smtClean="0"/>
+          </a:p>
+          <a:p>
+            <a:r>
+              <a:rPr lang="ru-RU" dirty="0" smtClean="0"/>
+              <a:t>Страница 11 - Заключение</a:t>
+            </a:r>
+            <a:endParaRPr lang="ru-RU" dirty="0"/>
+          </a:p>
+        </p:txBody>
+      </p:sp>
+      <p:sp>
+        <p:nvSpPr>
+          <p:cNvPr id="4" name="TextBox 3"/>
+          <p:cNvSpPr txBox="1"/>
+          <p:nvPr/>
+        </p:nvSpPr>
+        <p:spPr>
+          <a:xfrm>
+            <a:off x="11751733" y="6180667"/>
+            <a:ext cx="440267" cy="646331"/>
+          </a:xfrm>
+          <a:prstGeom prst="rect">
+            <a:avLst/>
+          </a:prstGeom>
+          <a:noFill/>
+        </p:spPr>
+        <p:txBody>
+          <a:bodyPr wrap="square" rtlCol="0">
+            <a:spAutoFit/>
+          </a:bodyPr>
+          <a:lstStyle/>
+          <a:p>
+            <a:r>
+              <a:rPr lang="ru-RU" sz="3600" dirty="0"/>
+              <a:t>2</a:t>
+            </a:r>
+          </a:p>
+        </p:txBody>
+      </p:sp>
+    </p:spTree>
+    <p:extLst>
+      <p:ext uri="{BB962C8B-B14F-4D97-AF65-F5344CB8AC3E}">
+        <p14:creationId xmlns:p14="http://schemas.microsoft.com/office/powerpoint/2010/main" val="4056077884"/>
+      </p:ext>
+    </p:extLst>
+  </p:cSld>
+  <p:clrMapOvr>
+    <a:masterClrMapping/>
+  </p:clrMapOvr>
+  <p:timing>
+    <p:tnLst>
+      <p:par>
+        <p:cTn id="1" dur="indefinite" restart="never" nodeType="tmRoot"/>
+      </p:par>
+    </p:tnLst>
+  </p:timing>
+</p:sld>
+</file>
+
+<file path=ppt/slides/slide3.xml><?xml version="1.0" encoding="utf-8"?>
+<p:sld xmlns:a="http://schemas.openxmlformats.org/drawingml/2006/main" xmlns:r="http://schemas.openxmlformats.org/officeDocument/2006/relationships" xmlns:p="http://schemas.openxmlformats.org/presentationml/2006/main">
+  <p:cSld>
+    <p:spTree>
+      <p:nvGrpSpPr>
+        <p:cNvPr id="1" name=""/>
+        <p:cNvGrpSpPr/>
+        <p:nvPr/>
+      </p:nvGrpSpPr>
+      <p:grpSpPr>
+        <a:xfrm>
+          <a:off x="0" y="0"/>
+          <a:ext cx="0" cy="0"/>
+          <a:chOff x="0" y="0"/>
+          <a:chExt cx="0" cy="0"/>
+        </a:xfrm>
+      </p:grpSpPr>
+      <p:sp>
+        <p:nvSpPr>
+          <p:cNvPr id="2" name="Заголовок 1"/>
+          <p:cNvSpPr>
+            <a:spLocks noGrp="1"/>
+          </p:cNvSpPr>
+          <p:nvPr>
+            <p:ph type="title"/>
+          </p:nvPr>
+        </p:nvSpPr>
+        <p:spPr/>
+        <p:txBody>
+          <a:bodyPr/>
+          <a:lstStyle/>
+          <a:p>
+            <a:r>
+              <a:rPr lang="ru-RU" dirty="0" smtClean="0"/>
+              <a:t>Идея проекта</a:t>
+            </a:r>
+            <a:endParaRPr lang="ru-RU" dirty="0"/>
+          </a:p>
+        </p:txBody>
+      </p:sp>
+      <p:sp>
+        <p:nvSpPr>
+          <p:cNvPr id="3" name="Объект 2"/>
+          <p:cNvSpPr>
+            <a:spLocks noGrp="1"/>
+          </p:cNvSpPr>
+          <p:nvPr>
+            <p:ph idx="1"/>
+          </p:nvPr>
+        </p:nvSpPr>
+        <p:spPr/>
+        <p:txBody>
+          <a:bodyPr/>
+          <a:lstStyle/>
+          <a:p>
+            <a:r>
+              <a:rPr lang="ru-RU" dirty="0" smtClean="0"/>
+              <a:t>Создать игру, развивающую мышление в пространстве.</a:t>
+            </a:r>
+            <a:endParaRPr lang="ru-RU" dirty="0"/>
+          </a:p>
+        </p:txBody>
+      </p:sp>
+      <p:sp>
+        <p:nvSpPr>
+          <p:cNvPr id="4" name="TextBox 3"/>
+          <p:cNvSpPr txBox="1"/>
+          <p:nvPr/>
+        </p:nvSpPr>
+        <p:spPr>
+          <a:xfrm>
+            <a:off x="11751733" y="6180667"/>
+            <a:ext cx="440267" cy="646331"/>
+          </a:xfrm>
+          <a:prstGeom prst="rect">
+            <a:avLst/>
+          </a:prstGeom>
+          <a:noFill/>
+        </p:spPr>
+        <p:txBody>
+          <a:bodyPr wrap="square" rtlCol="0">
+            <a:spAutoFit/>
+          </a:bodyPr>
+          <a:lstStyle/>
+          <a:p>
+            <a:r>
+              <a:rPr lang="ru-RU" sz="3600" dirty="0"/>
+              <a:t>3</a:t>
+            </a:r>
+          </a:p>
+        </p:txBody>
+      </p:sp>
+    </p:spTree>
+    <p:extLst>
+      <p:ext uri="{BB962C8B-B14F-4D97-AF65-F5344CB8AC3E}">
+        <p14:creationId xmlns:p14="http://schemas.microsoft.com/office/powerpoint/2010/main" val="1611192548"/>
+      </p:ext>
+    </p:extLst>
+  </p:cSld>
+  <p:clrMapOvr>
+    <a:masterClrMapping/>
+  </p:clrMapOvr>
+  <p:timing>
+    <p:tnLst>
+      <p:par>
+        <p:cTn id="1" dur="indefinite" restart="never" nodeType="tmRoot"/>
+      </p:par>
+    </p:tnLst>
+  </p:timing>
+</p:sld>
+</file>
+
+<file path=ppt/slides/slide4.xml><?xml version="1.0" encoding="utf-8"?>
+<p:sld xmlns:a="http://schemas.openxmlformats.org/drawingml/2006/main" xmlns:r="http://schemas.openxmlformats.org/officeDocument/2006/relationships" xmlns:p="http://schemas.openxmlformats.org/presentationml/2006/main">
+  <p:cSld>
+    <p:spTree>
+      <p:nvGrpSpPr>
+        <p:cNvPr id="1" name=""/>
+        <p:cNvGrpSpPr/>
+        <p:nvPr/>
+      </p:nvGrpSpPr>
+      <p:grpSpPr>
+        <a:xfrm>
+          <a:off x="0" y="0"/>
+          <a:ext cx="0" cy="0"/>
+          <a:chOff x="0" y="0"/>
+          <a:chExt cx="0" cy="0"/>
+        </a:xfrm>
+      </p:grpSpPr>
+      <p:sp>
+        <p:nvSpPr>
+          <p:cNvPr id="2" name="Заголовок 1"/>
+          <p:cNvSpPr>
+            <a:spLocks noGrp="1"/>
+          </p:cNvSpPr>
+          <p:nvPr>
+            <p:ph type="title"/>
+          </p:nvPr>
+        </p:nvSpPr>
+        <p:spPr/>
+        <p:txBody>
+          <a:bodyPr/>
+          <a:lstStyle/>
+          <a:p>
+            <a:r>
+              <a:rPr lang="ru-RU" dirty="0" smtClean="0"/>
+              <a:t>Структура</a:t>
+            </a:r>
+            <a:endParaRPr lang="ru-RU" dirty="0"/>
+          </a:p>
+        </p:txBody>
+      </p:sp>
+      <p:sp>
+        <p:nvSpPr>
+          <p:cNvPr id="3" name="Объект 2"/>
+          <p:cNvSpPr>
+            <a:spLocks noGrp="1"/>
+          </p:cNvSpPr>
+          <p:nvPr>
+            <p:ph idx="1"/>
+          </p:nvPr>
+        </p:nvSpPr>
+        <p:spPr/>
+        <p:txBody>
+          <a:bodyPr/>
+          <a:lstStyle/>
+          <a:p>
+            <a:pPr marL="0" indent="0">
+              <a:buNone/>
+            </a:pPr>
+            <a:r>
+              <a:rPr lang="ru-RU" dirty="0" smtClean="0"/>
+              <a:t>Игра разделена на несколько файлов для удобства:</a:t>
+            </a:r>
+          </a:p>
+          <a:p>
+            <a:r>
+              <a:rPr lang="en-US" dirty="0" smtClean="0"/>
+              <a:t>Main.py – </a:t>
+            </a:r>
+            <a:r>
+              <a:rPr lang="ru-RU" dirty="0" smtClean="0"/>
+              <a:t>основной код игры: логика, физика, </a:t>
+            </a:r>
+            <a:r>
+              <a:rPr lang="ru-RU" dirty="0" err="1" smtClean="0"/>
+              <a:t>отрисовка</a:t>
+            </a:r>
+            <a:r>
+              <a:rPr lang="ru-RU" dirty="0" smtClean="0"/>
+              <a:t> всех элементов игры.</a:t>
+            </a:r>
+          </a:p>
+          <a:p>
+            <a:r>
+              <a:rPr lang="en-US" dirty="0" smtClean="0"/>
+              <a:t>Level</a:t>
+            </a:r>
+            <a:r>
+              <a:rPr lang="ru-RU" dirty="0" smtClean="0"/>
+              <a:t>1</a:t>
+            </a:r>
+            <a:r>
+              <a:rPr lang="en-US" dirty="0" smtClean="0"/>
+              <a:t>.</a:t>
+            </a:r>
+            <a:r>
+              <a:rPr lang="en-US" dirty="0" err="1" smtClean="0"/>
+              <a:t>py</a:t>
+            </a:r>
+            <a:r>
+              <a:rPr lang="ru-RU" dirty="0" smtClean="0"/>
+              <a:t>, </a:t>
+            </a:r>
+            <a:r>
+              <a:rPr lang="en-US" dirty="0" smtClean="0"/>
+              <a:t>Level2.py, Level3.py – </a:t>
+            </a:r>
+            <a:r>
+              <a:rPr lang="ru-RU" dirty="0" smtClean="0"/>
+              <a:t>файлы, содержащие макеты каждого уровня.</a:t>
+            </a:r>
+          </a:p>
+          <a:p>
+            <a:r>
+              <a:rPr lang="en-US" dirty="0" smtClean="0"/>
+              <a:t>Level4.py – </a:t>
+            </a:r>
+            <a:r>
+              <a:rPr lang="ru-RU" dirty="0" smtClean="0"/>
+              <a:t>файл ручного уровня.</a:t>
+            </a:r>
+          </a:p>
+          <a:p>
+            <a:r>
+              <a:rPr lang="en-US" dirty="0" err="1" smtClean="0"/>
+              <a:t>Score.db</a:t>
+            </a:r>
+            <a:r>
+              <a:rPr lang="en-US" dirty="0" smtClean="0"/>
+              <a:t> – </a:t>
+            </a:r>
+            <a:r>
+              <a:rPr lang="ru-RU" dirty="0" smtClean="0"/>
+              <a:t>база данных, содержащая прогресс прохождения игры.</a:t>
+            </a:r>
+          </a:p>
+        </p:txBody>
+      </p:sp>
+      <p:sp>
+        <p:nvSpPr>
+          <p:cNvPr id="4" name="TextBox 3"/>
+          <p:cNvSpPr txBox="1"/>
+          <p:nvPr/>
+        </p:nvSpPr>
+        <p:spPr>
+          <a:xfrm>
+            <a:off x="11751733" y="6180667"/>
+            <a:ext cx="440267" cy="646331"/>
+          </a:xfrm>
+          <a:prstGeom prst="rect">
+            <a:avLst/>
+          </a:prstGeom>
+          <a:noFill/>
+        </p:spPr>
+        <p:txBody>
+          <a:bodyPr wrap="square" rtlCol="0">
+            <a:spAutoFit/>
+          </a:bodyPr>
+          <a:lstStyle/>
+          <a:p>
+            <a:r>
+              <a:rPr lang="ru-RU" sz="3600" dirty="0"/>
+              <a:t>4</a:t>
+            </a:r>
+          </a:p>
+        </p:txBody>
+      </p:sp>
+    </p:spTree>
+    <p:extLst>
+      <p:ext uri="{BB962C8B-B14F-4D97-AF65-F5344CB8AC3E}">
+        <p14:creationId xmlns:p14="http://schemas.microsoft.com/office/powerpoint/2010/main" val="2079954421"/>
+      </p:ext>
+    </p:extLst>
+  </p:cSld>
+  <p:clrMapOvr>
+    <a:masterClrMapping/>
+  </p:clrMapOvr>
+  <p:timing>
+    <p:tnLst>
+      <p:par>
+        <p:cTn id="1" dur="indefinite" restart="never" nodeType="tmRoot"/>
+      </p:par>
+    </p:tnLst>
+  </p:timing>
+</p:sld>
+</file>
+
+<file path=ppt/slides/slide5.xml><?xml version="1.0" encoding="utf-8"?>
+<p:sld xmlns:a="http://schemas.openxmlformats.org/drawingml/2006/main" xmlns:r="http://schemas.openxmlformats.org/officeDocument/2006/relationships" xmlns:p="http://schemas.openxmlformats.org/presentationml/2006/main">
+  <p:cSld>
+    <p:spTree>
+      <p:nvGrpSpPr>
+        <p:cNvPr id="1" name=""/>
+        <p:cNvGrpSpPr/>
+        <p:nvPr/>
+      </p:nvGrpSpPr>
+      <p:grpSpPr>
+        <a:xfrm>
+          <a:off x="0" y="0"/>
+          <a:ext cx="0" cy="0"/>
+          <a:chOff x="0" y="0"/>
+          <a:chExt cx="0" cy="0"/>
+        </a:xfrm>
+      </p:grpSpPr>
+      <p:sp>
+        <p:nvSpPr>
+          <p:cNvPr id="2" name="Заголовок 1"/>
+          <p:cNvSpPr>
+            <a:spLocks noGrp="1"/>
+          </p:cNvSpPr>
+          <p:nvPr>
+            <p:ph type="title"/>
+          </p:nvPr>
+        </p:nvSpPr>
+        <p:spPr/>
+        <p:txBody>
+          <a:bodyPr/>
+          <a:lstStyle/>
+          <a:p>
+            <a:r>
+              <a:rPr lang="ru-RU" dirty="0" smtClean="0"/>
+              <a:t>Структура</a:t>
+            </a:r>
+            <a:r>
+              <a:rPr lang="en-US" dirty="0" smtClean="0"/>
+              <a:t> </a:t>
+            </a:r>
+            <a:r>
+              <a:rPr lang="ru-RU" dirty="0" smtClean="0"/>
+              <a:t>кода: Библиотеки</a:t>
+            </a:r>
+            <a:endParaRPr lang="ru-RU" dirty="0"/>
+          </a:p>
+        </p:txBody>
+      </p:sp>
+      <p:sp>
+        <p:nvSpPr>
+          <p:cNvPr id="3" name="Объект 2"/>
+          <p:cNvSpPr>
+            <a:spLocks noGrp="1"/>
+          </p:cNvSpPr>
+          <p:nvPr>
+            <p:ph idx="1"/>
+          </p:nvPr>
+        </p:nvSpPr>
+        <p:spPr/>
+        <p:txBody>
+          <a:bodyPr/>
+          <a:lstStyle/>
+          <a:p>
+            <a:pPr marL="0" indent="0">
+              <a:buNone/>
+            </a:pPr>
+            <a:r>
+              <a:rPr lang="en-US" dirty="0" smtClean="0"/>
+              <a:t>Main.py:</a:t>
+            </a:r>
+            <a:endParaRPr lang="ru-RU" dirty="0" smtClean="0"/>
+          </a:p>
+          <a:p>
+            <a:pPr marL="0" indent="0">
+              <a:buNone/>
+            </a:pPr>
+            <a:r>
+              <a:rPr lang="en-US" dirty="0" err="1" smtClean="0"/>
+              <a:t>Shutil</a:t>
+            </a:r>
+            <a:r>
+              <a:rPr lang="en-US" dirty="0" smtClean="0"/>
+              <a:t> – </a:t>
+            </a:r>
+            <a:r>
+              <a:rPr lang="ru-RU" dirty="0" smtClean="0"/>
+              <a:t>для копирования пользовательского уровня в папку уровней</a:t>
+            </a:r>
+          </a:p>
+          <a:p>
+            <a:pPr marL="0" indent="0">
+              <a:buNone/>
+            </a:pPr>
+            <a:r>
+              <a:rPr lang="en-US" dirty="0" smtClean="0"/>
+              <a:t>Time – </a:t>
+            </a:r>
+            <a:r>
+              <a:rPr lang="ru-RU" dirty="0" smtClean="0"/>
+              <a:t>для получения текущего времени</a:t>
+            </a:r>
+          </a:p>
+          <a:p>
+            <a:pPr marL="0" indent="0">
+              <a:buNone/>
+            </a:pPr>
+            <a:r>
+              <a:rPr lang="en-US" dirty="0" err="1" smtClean="0"/>
+              <a:t>Tkinter</a:t>
+            </a:r>
+            <a:r>
+              <a:rPr lang="en-US" dirty="0" smtClean="0"/>
+              <a:t> – </a:t>
+            </a:r>
+            <a:r>
+              <a:rPr lang="ru-RU" dirty="0" smtClean="0"/>
+              <a:t>помогает открыть пользовательский уровень</a:t>
+            </a:r>
+          </a:p>
+          <a:p>
+            <a:pPr marL="0" indent="0">
+              <a:buNone/>
+            </a:pPr>
+            <a:r>
+              <a:rPr lang="en-US" dirty="0" err="1" smtClean="0"/>
+              <a:t>Pygame</a:t>
+            </a:r>
+            <a:r>
+              <a:rPr lang="en-US" dirty="0" smtClean="0"/>
+              <a:t> – </a:t>
+            </a:r>
+            <a:r>
+              <a:rPr lang="ru-RU" dirty="0" smtClean="0"/>
+              <a:t>сам </a:t>
+            </a:r>
+            <a:r>
+              <a:rPr lang="en-US" dirty="0" err="1" smtClean="0"/>
+              <a:t>pygame</a:t>
+            </a:r>
+            <a:r>
+              <a:rPr lang="en-US" dirty="0" smtClean="0"/>
+              <a:t>, </a:t>
+            </a:r>
+            <a:r>
+              <a:rPr lang="ru-RU" dirty="0" smtClean="0"/>
+              <a:t>в представлении не нуждается</a:t>
+            </a:r>
+          </a:p>
+          <a:p>
+            <a:pPr marL="0" indent="0">
+              <a:buNone/>
+            </a:pPr>
+            <a:r>
+              <a:rPr lang="en-US" dirty="0" err="1" smtClean="0"/>
+              <a:t>Pygame_gui</a:t>
+            </a:r>
+            <a:r>
+              <a:rPr lang="en-US" dirty="0" smtClean="0"/>
+              <a:t> – </a:t>
+            </a:r>
+            <a:r>
+              <a:rPr lang="ru-RU" dirty="0" smtClean="0"/>
+              <a:t>для интерфейса</a:t>
+            </a:r>
+          </a:p>
+          <a:p>
+            <a:pPr marL="0" indent="0">
+              <a:buNone/>
+            </a:pPr>
+            <a:r>
+              <a:rPr lang="en-US" dirty="0" err="1" smtClean="0"/>
+              <a:t>Moviepy</a:t>
+            </a:r>
+            <a:r>
+              <a:rPr lang="en-US" dirty="0" smtClean="0"/>
+              <a:t> – </a:t>
+            </a:r>
+            <a:r>
+              <a:rPr lang="ru-RU" dirty="0" smtClean="0"/>
+              <a:t>для воспроизведения заставки</a:t>
+            </a:r>
+          </a:p>
+          <a:p>
+            <a:pPr marL="0" indent="0">
+              <a:buNone/>
+            </a:pPr>
+            <a:r>
+              <a:rPr lang="en-US" dirty="0" err="1" smtClean="0"/>
+              <a:t>Pypresence</a:t>
+            </a:r>
+            <a:r>
+              <a:rPr lang="en-US" dirty="0" smtClean="0"/>
+              <a:t> – </a:t>
+            </a:r>
+            <a:r>
+              <a:rPr lang="ru-RU" dirty="0" smtClean="0"/>
+              <a:t>для статуса </a:t>
+            </a:r>
+            <a:r>
+              <a:rPr lang="en-US" dirty="0" smtClean="0"/>
+              <a:t>discord</a:t>
+            </a:r>
+          </a:p>
+          <a:p>
+            <a:pPr marL="0" indent="0">
+              <a:buNone/>
+            </a:pPr>
+            <a:endParaRPr lang="ru-RU" dirty="0"/>
+          </a:p>
+        </p:txBody>
+      </p:sp>
+      <p:pic>
+        <p:nvPicPr>
+          <p:cNvPr id="4" name="Рисунок 3"/>
+          <p:cNvPicPr>
+            <a:picLocks noChangeAspect="1"/>
+          </p:cNvPicPr>
+          <p:nvPr/>
+        </p:nvPicPr>
+        <p:blipFill>
+          <a:blip r:embed="rId2"/>
+          <a:stretch>
+            <a:fillRect/>
+          </a:stretch>
+        </p:blipFill>
+        <p:spPr>
+          <a:xfrm>
+            <a:off x="5177655" y="4179797"/>
+            <a:ext cx="7001776" cy="2458070"/>
+          </a:xfrm>
+          <a:prstGeom prst="rect">
+            <a:avLst/>
+          </a:prstGeom>
+        </p:spPr>
+      </p:pic>
+      <p:sp>
+        <p:nvSpPr>
+          <p:cNvPr id="5" name="TextBox 4"/>
+          <p:cNvSpPr txBox="1"/>
+          <p:nvPr/>
+        </p:nvSpPr>
+        <p:spPr>
+          <a:xfrm>
+            <a:off x="11751733" y="6180667"/>
+            <a:ext cx="440267" cy="646331"/>
+          </a:xfrm>
+          <a:prstGeom prst="rect">
+            <a:avLst/>
+          </a:prstGeom>
+          <a:noFill/>
+        </p:spPr>
+        <p:txBody>
+          <a:bodyPr wrap="square" rtlCol="0">
+            <a:spAutoFit/>
+          </a:bodyPr>
+          <a:lstStyle/>
+          <a:p>
+            <a:r>
+              <a:rPr lang="ru-RU" sz="3600" dirty="0"/>
+              <a:t>5</a:t>
+            </a:r>
+          </a:p>
+        </p:txBody>
+      </p:sp>
+    </p:spTree>
+    <p:extLst>
+      <p:ext uri="{BB962C8B-B14F-4D97-AF65-F5344CB8AC3E}">
+        <p14:creationId xmlns:p14="http://schemas.microsoft.com/office/powerpoint/2010/main" val="4289343494"/>
+      </p:ext>
+    </p:extLst>
+  </p:cSld>
+  <p:clrMapOvr>
+    <a:masterClrMapping/>
+  </p:clrMapOvr>
+  <p:timing>
+    <p:tnLst>
+      <p:par>
+        <p:cTn id="1" dur="indefinite" restart="never" nodeType="tmRoot"/>
+      </p:par>
+    </p:tnLst>
+  </p:timing>
+</p:sld>
+</file>
+
+<file path=ppt/slides/slide6.xml><?xml version="1.0" encoding="utf-8"?>
+<p:sld xmlns:a="http://schemas.openxmlformats.org/drawingml/2006/main" xmlns:r="http://schemas.openxmlformats.org/officeDocument/2006/relationships" xmlns:p="http://schemas.openxmlformats.org/presentationml/2006/main">
+  <p:cSld>
+    <p:spTree>
+      <p:nvGrpSpPr>
+        <p:cNvPr id="1" name=""/>
+        <p:cNvGrpSpPr/>
+        <p:nvPr/>
+      </p:nvGrpSpPr>
+      <p:grpSpPr>
+        <a:xfrm>
+          <a:off x="0" y="0"/>
+          <a:ext cx="0" cy="0"/>
+          <a:chOff x="0" y="0"/>
+          <a:chExt cx="0" cy="0"/>
+        </a:xfrm>
+      </p:grpSpPr>
+      <p:sp>
+        <p:nvSpPr>
+          <p:cNvPr id="2" name="Заголовок 1"/>
+          <p:cNvSpPr>
+            <a:spLocks noGrp="1"/>
+          </p:cNvSpPr>
+          <p:nvPr>
+            <p:ph type="title"/>
+          </p:nvPr>
+        </p:nvSpPr>
+        <p:spPr/>
+        <p:txBody>
+          <a:bodyPr/>
+          <a:lstStyle/>
+          <a:p>
+            <a:r>
+              <a:rPr lang="ru-RU" dirty="0" smtClean="0"/>
+              <a:t>Структура кода: Классы</a:t>
+            </a:r>
+            <a:endParaRPr lang="ru-RU" dirty="0"/>
+          </a:p>
+        </p:txBody>
+      </p:sp>
+      <p:sp>
+        <p:nvSpPr>
+          <p:cNvPr id="3" name="Объект 2"/>
+          <p:cNvSpPr>
+            <a:spLocks noGrp="1"/>
+          </p:cNvSpPr>
+          <p:nvPr>
+            <p:ph idx="1"/>
+          </p:nvPr>
+        </p:nvSpPr>
+        <p:spPr/>
+        <p:txBody>
+          <a:bodyPr>
+            <a:normAutofit lnSpcReduction="10000"/>
+          </a:bodyPr>
+          <a:lstStyle/>
+          <a:p>
+            <a:pPr marL="0" indent="0">
+              <a:buNone/>
+            </a:pPr>
+            <a:r>
+              <a:rPr lang="en-US" dirty="0" smtClean="0"/>
+              <a:t>Main.py:</a:t>
+            </a:r>
+            <a:endParaRPr lang="ru-RU" dirty="0" smtClean="0"/>
+          </a:p>
+          <a:p>
+            <a:pPr marL="0" indent="0">
+              <a:buNone/>
+            </a:pPr>
+            <a:r>
+              <a:rPr lang="en-US" dirty="0" smtClean="0"/>
+              <a:t>Board:</a:t>
+            </a:r>
+          </a:p>
+          <a:p>
+            <a:pPr marL="0" indent="0">
+              <a:buNone/>
+            </a:pPr>
+            <a:r>
+              <a:rPr lang="en-US" dirty="0" err="1" smtClean="0"/>
+              <a:t>def</a:t>
+            </a:r>
+            <a:r>
+              <a:rPr lang="en-US" dirty="0" smtClean="0"/>
+              <a:t> __</a:t>
+            </a:r>
+            <a:r>
+              <a:rPr lang="en-US" dirty="0" err="1" smtClean="0"/>
+              <a:t>init</a:t>
+            </a:r>
+            <a:r>
+              <a:rPr lang="en-US" dirty="0" smtClean="0"/>
+              <a:t>__ - </a:t>
+            </a:r>
+            <a:r>
+              <a:rPr lang="ru-RU" dirty="0" smtClean="0"/>
+              <a:t>задаём все значения,</a:t>
+            </a:r>
+          </a:p>
+          <a:p>
+            <a:pPr marL="0" indent="0">
+              <a:buNone/>
+            </a:pPr>
+            <a:r>
+              <a:rPr lang="ru-RU" dirty="0" smtClean="0"/>
+              <a:t>необходимые в будущем</a:t>
+            </a:r>
+          </a:p>
+          <a:p>
+            <a:pPr marL="0" indent="0">
+              <a:buNone/>
+            </a:pPr>
+            <a:r>
+              <a:rPr lang="en-US" dirty="0" err="1" smtClean="0"/>
+              <a:t>def</a:t>
+            </a:r>
+            <a:r>
+              <a:rPr lang="en-US" dirty="0" smtClean="0"/>
+              <a:t> render – </a:t>
+            </a:r>
+            <a:r>
+              <a:rPr lang="ru-RU" dirty="0" smtClean="0"/>
+              <a:t>отвечает за </a:t>
+            </a:r>
+            <a:r>
+              <a:rPr lang="ru-RU" dirty="0" err="1" smtClean="0"/>
+              <a:t>отрисовку</a:t>
+            </a:r>
+            <a:r>
+              <a:rPr lang="ru-RU" dirty="0" smtClean="0"/>
+              <a:t> поля</a:t>
+            </a:r>
+          </a:p>
+          <a:p>
+            <a:pPr marL="0" indent="0">
+              <a:buNone/>
+            </a:pPr>
+            <a:r>
+              <a:rPr lang="en-US" dirty="0" err="1" smtClean="0"/>
+              <a:t>def</a:t>
+            </a:r>
+            <a:r>
+              <a:rPr lang="en-US" dirty="0" smtClean="0"/>
+              <a:t> </a:t>
+            </a:r>
+            <a:r>
+              <a:rPr lang="en-US" dirty="0" err="1" smtClean="0"/>
+              <a:t>draw_player</a:t>
+            </a:r>
+            <a:r>
+              <a:rPr lang="en-US" dirty="0" smtClean="0"/>
+              <a:t> – </a:t>
+            </a:r>
+            <a:r>
+              <a:rPr lang="ru-RU" dirty="0" smtClean="0"/>
+              <a:t>отвечает за </a:t>
+            </a:r>
+            <a:r>
+              <a:rPr lang="ru-RU" dirty="0" err="1" smtClean="0"/>
+              <a:t>отрисовку</a:t>
+            </a:r>
+            <a:endParaRPr lang="ru-RU" dirty="0" smtClean="0"/>
+          </a:p>
+          <a:p>
+            <a:pPr marL="0" indent="0">
+              <a:buNone/>
+            </a:pPr>
+            <a:r>
+              <a:rPr lang="ru-RU" dirty="0" smtClean="0"/>
+              <a:t>игрока</a:t>
+            </a:r>
+          </a:p>
+          <a:p>
+            <a:pPr marL="0" indent="0">
+              <a:buNone/>
+            </a:pPr>
+            <a:r>
+              <a:rPr lang="en-US" dirty="0" err="1" smtClean="0"/>
+              <a:t>def</a:t>
+            </a:r>
+            <a:r>
+              <a:rPr lang="en-US" dirty="0" smtClean="0"/>
+              <a:t> move_??? – </a:t>
+            </a:r>
+            <a:r>
+              <a:rPr lang="ru-RU" dirty="0" smtClean="0"/>
+              <a:t>отвечают за</a:t>
+            </a:r>
+          </a:p>
+          <a:p>
+            <a:pPr marL="0" indent="0">
+              <a:buNone/>
+            </a:pPr>
+            <a:r>
+              <a:rPr lang="ru-RU" dirty="0" smtClean="0"/>
+              <a:t>передвижение игрока в разные</a:t>
+            </a:r>
+          </a:p>
+          <a:p>
+            <a:pPr marL="0" indent="0">
+              <a:buNone/>
+            </a:pPr>
+            <a:r>
+              <a:rPr lang="ru-RU" dirty="0" smtClean="0"/>
+              <a:t>стороны</a:t>
+            </a:r>
+            <a:endParaRPr lang="ru-RU" dirty="0"/>
+          </a:p>
+        </p:txBody>
+      </p:sp>
+      <p:pic>
+        <p:nvPicPr>
+          <p:cNvPr id="4" name="Рисунок 3"/>
+          <p:cNvPicPr>
+            <a:picLocks noChangeAspect="1"/>
+          </p:cNvPicPr>
+          <p:nvPr/>
+        </p:nvPicPr>
+        <p:blipFill>
+          <a:blip r:embed="rId2"/>
+          <a:stretch>
+            <a:fillRect/>
+          </a:stretch>
+        </p:blipFill>
+        <p:spPr>
+          <a:xfrm>
+            <a:off x="5232400" y="1665467"/>
+            <a:ext cx="6434667" cy="4871015"/>
+          </a:xfrm>
+          <a:prstGeom prst="rect">
+            <a:avLst/>
+          </a:prstGeom>
+        </p:spPr>
+      </p:pic>
+      <p:sp>
+        <p:nvSpPr>
+          <p:cNvPr id="5" name="TextBox 4"/>
+          <p:cNvSpPr txBox="1"/>
+          <p:nvPr/>
+        </p:nvSpPr>
+        <p:spPr>
+          <a:xfrm>
+            <a:off x="11751733" y="6180667"/>
+            <a:ext cx="440267" cy="646331"/>
+          </a:xfrm>
+          <a:prstGeom prst="rect">
+            <a:avLst/>
+          </a:prstGeom>
+          <a:noFill/>
+        </p:spPr>
+        <p:txBody>
+          <a:bodyPr wrap="square" rtlCol="0">
+            <a:spAutoFit/>
+          </a:bodyPr>
+          <a:lstStyle/>
+          <a:p>
+            <a:r>
+              <a:rPr lang="ru-RU" sz="3600" dirty="0"/>
+              <a:t>6</a:t>
+            </a:r>
+          </a:p>
+        </p:txBody>
+      </p:sp>
+    </p:spTree>
+    <p:extLst>
+      <p:ext uri="{BB962C8B-B14F-4D97-AF65-F5344CB8AC3E}">
+        <p14:creationId xmlns:p14="http://schemas.microsoft.com/office/powerpoint/2010/main" val="1736367431"/>
+      </p:ext>
+    </p:extLst>
+  </p:cSld>
+  <p:clrMapOvr>
+    <a:masterClrMapping/>
+  </p:clrMapOvr>
+  <p:timing>
+    <p:tnLst>
+      <p:par>
+        <p:cTn id="1" dur="indefinite" restart="never" nodeType="tmRoot"/>
+      </p:par>
+    </p:tnLst>
+  </p:timing>
+</p:sld>
+</file>
+
+<file path=ppt/slides/slide7.xml><?xml version="1.0" encoding="utf-8"?>
+<p:sld xmlns:a="http://schemas.openxmlformats.org/drawingml/2006/main" xmlns:r="http://schemas.openxmlformats.org/officeDocument/2006/relationships" xmlns:p="http://schemas.openxmlformats.org/presentationml/2006/main">
+  <p:cSld>
+    <p:spTree>
+      <p:nvGrpSpPr>
+        <p:cNvPr id="1" name=""/>
+        <p:cNvGrpSpPr/>
+        <p:nvPr/>
+      </p:nvGrpSpPr>
+      <p:grpSpPr>
+        <a:xfrm>
+          <a:off x="0" y="0"/>
+          <a:ext cx="0" cy="0"/>
+          <a:chOff x="0" y="0"/>
+          <a:chExt cx="0" cy="0"/>
+        </a:xfrm>
+      </p:grpSpPr>
+      <p:sp>
+        <p:nvSpPr>
+          <p:cNvPr id="2" name="Заголовок 1"/>
+          <p:cNvSpPr>
+            <a:spLocks noGrp="1"/>
+          </p:cNvSpPr>
+          <p:nvPr>
+            <p:ph type="title"/>
+          </p:nvPr>
+        </p:nvSpPr>
+        <p:spPr/>
+        <p:txBody>
+          <a:bodyPr/>
+          <a:lstStyle/>
+          <a:p>
+            <a:r>
+              <a:rPr lang="ru-RU" dirty="0" smtClean="0"/>
+              <a:t>Структура кода: Классы</a:t>
+            </a:r>
+            <a:endParaRPr lang="ru-RU" dirty="0"/>
+          </a:p>
+        </p:txBody>
+      </p:sp>
+      <p:sp>
+        <p:nvSpPr>
+          <p:cNvPr id="3" name="Объект 2"/>
+          <p:cNvSpPr>
+            <a:spLocks noGrp="1"/>
+          </p:cNvSpPr>
+          <p:nvPr>
+            <p:ph idx="1"/>
+          </p:nvPr>
+        </p:nvSpPr>
+        <p:spPr/>
+        <p:txBody>
+          <a:bodyPr/>
+          <a:lstStyle/>
+          <a:p>
+            <a:pPr marL="0" indent="0">
+              <a:buNone/>
+            </a:pPr>
+            <a:r>
+              <a:rPr lang="en-US" dirty="0" smtClean="0"/>
+              <a:t>Level?.py:</a:t>
+            </a:r>
+            <a:endParaRPr lang="ru-RU" dirty="0" smtClean="0"/>
+          </a:p>
+          <a:p>
+            <a:pPr marL="0" indent="0">
+              <a:buNone/>
+            </a:pPr>
+            <a:r>
+              <a:rPr lang="en-US" dirty="0" smtClean="0"/>
+              <a:t>Level:</a:t>
+            </a:r>
+          </a:p>
+          <a:p>
+            <a:pPr marL="0" indent="0">
+              <a:buNone/>
+            </a:pPr>
+            <a:r>
+              <a:rPr lang="en-US" dirty="0" err="1" smtClean="0"/>
+              <a:t>def</a:t>
+            </a:r>
+            <a:r>
+              <a:rPr lang="en-US" dirty="0" smtClean="0"/>
+              <a:t> __</a:t>
+            </a:r>
+            <a:r>
+              <a:rPr lang="en-US" dirty="0" err="1" smtClean="0"/>
+              <a:t>init</a:t>
+            </a:r>
+            <a:r>
+              <a:rPr lang="en-US" dirty="0" smtClean="0"/>
+              <a:t>__ - </a:t>
+            </a:r>
+            <a:r>
+              <a:rPr lang="ru-RU" dirty="0" smtClean="0"/>
+              <a:t>задаём значения стен, коробок, крестов и игрока</a:t>
+            </a:r>
+            <a:endParaRPr lang="ru-RU" dirty="0"/>
+          </a:p>
+        </p:txBody>
+      </p:sp>
+      <p:pic>
+        <p:nvPicPr>
+          <p:cNvPr id="5" name="Рисунок 4"/>
+          <p:cNvPicPr>
+            <a:picLocks noChangeAspect="1"/>
+          </p:cNvPicPr>
+          <p:nvPr/>
+        </p:nvPicPr>
+        <p:blipFill>
+          <a:blip r:embed="rId2"/>
+          <a:stretch>
+            <a:fillRect/>
+          </a:stretch>
+        </p:blipFill>
+        <p:spPr>
+          <a:xfrm>
+            <a:off x="1910718" y="2160589"/>
+            <a:ext cx="5658481" cy="815206"/>
+          </a:xfrm>
+          <a:prstGeom prst="rect">
+            <a:avLst/>
+          </a:prstGeom>
+        </p:spPr>
+      </p:pic>
+      <p:sp>
+        <p:nvSpPr>
+          <p:cNvPr id="6" name="TextBox 5"/>
+          <p:cNvSpPr txBox="1"/>
+          <p:nvPr/>
+        </p:nvSpPr>
+        <p:spPr>
+          <a:xfrm>
+            <a:off x="11751733" y="6180667"/>
+            <a:ext cx="440267" cy="646331"/>
+          </a:xfrm>
+          <a:prstGeom prst="rect">
+            <a:avLst/>
+          </a:prstGeom>
+          <a:noFill/>
+        </p:spPr>
+        <p:txBody>
+          <a:bodyPr wrap="square" rtlCol="0">
+            <a:spAutoFit/>
+          </a:bodyPr>
+          <a:lstStyle/>
+          <a:p>
+            <a:r>
+              <a:rPr lang="ru-RU" sz="3600" dirty="0"/>
+              <a:t>7</a:t>
+            </a:r>
+          </a:p>
+        </p:txBody>
+      </p:sp>
+    </p:spTree>
+    <p:extLst>
+      <p:ext uri="{BB962C8B-B14F-4D97-AF65-F5344CB8AC3E}">
+        <p14:creationId xmlns:p14="http://schemas.microsoft.com/office/powerpoint/2010/main" val="3551913763"/>
+      </p:ext>
+    </p:extLst>
+  </p:cSld>
+  <p:clrMapOvr>
+    <a:masterClrMapping/>
+  </p:clrMapOvr>
+  <p:timing>
+    <p:tnLst>
+      <p:par>
+        <p:cTn id="1" dur="indefinite" restart="never" nodeType="tmRoot"/>
+      </p:par>
+    </p:tnLst>
+  </p:timing>
+</p:sld>
+</file>
+
+<file path=ppt/slides/slide8.xml><?xml version="1.0" encoding="utf-8"?>
+<p:sld xmlns:a="http://schemas.openxmlformats.org/drawingml/2006/main" xmlns:r="http://schemas.openxmlformats.org/officeDocument/2006/relationships" xmlns:p="http://schemas.openxmlformats.org/presentationml/2006/main">
+  <p:cSld>
+    <p:spTree>
+      <p:nvGrpSpPr>
+        <p:cNvPr id="1" name=""/>
+        <p:cNvGrpSpPr/>
+        <p:nvPr/>
+      </p:nvGrpSpPr>
+      <p:grpSpPr>
+        <a:xfrm>
+          <a:off x="0" y="0"/>
+          <a:ext cx="0" cy="0"/>
+          <a:chOff x="0" y="0"/>
+          <a:chExt cx="0" cy="0"/>
+        </a:xfrm>
+      </p:grpSpPr>
+      <p:sp>
+        <p:nvSpPr>
+          <p:cNvPr id="2" name="Заголовок 1"/>
+          <p:cNvSpPr>
+            <a:spLocks noGrp="1"/>
+          </p:cNvSpPr>
+          <p:nvPr>
+            <p:ph type="title"/>
+          </p:nvPr>
+        </p:nvSpPr>
+        <p:spPr/>
+        <p:txBody>
+          <a:bodyPr/>
+          <a:lstStyle/>
+          <a:p>
+            <a:r>
+              <a:rPr lang="ru-RU" dirty="0" smtClean="0"/>
+              <a:t>Структура кода: Движение</a:t>
+            </a:r>
+            <a:endParaRPr lang="ru-RU" dirty="0"/>
+          </a:p>
+        </p:txBody>
+      </p:sp>
+      <p:sp>
+        <p:nvSpPr>
+          <p:cNvPr id="3" name="Объект 2"/>
+          <p:cNvSpPr>
+            <a:spLocks noGrp="1"/>
+          </p:cNvSpPr>
+          <p:nvPr>
+            <p:ph idx="1"/>
+          </p:nvPr>
+        </p:nvSpPr>
+        <p:spPr/>
+        <p:txBody>
+          <a:bodyPr/>
+          <a:lstStyle/>
+          <a:p>
+            <a:r>
+              <a:rPr lang="ru-RU" dirty="0" smtClean="0"/>
+              <a:t>Для перемещения по игровому полю используется</a:t>
+            </a:r>
+          </a:p>
+          <a:p>
+            <a:pPr marL="0" indent="0">
+              <a:buNone/>
+            </a:pPr>
+            <a:r>
+              <a:rPr lang="ru-RU" dirty="0" smtClean="0"/>
+              <a:t>множество условий, предусмотренных на каждый случай жизни.</a:t>
+            </a:r>
+          </a:p>
+          <a:p>
+            <a:pPr marL="0" indent="0">
+              <a:buNone/>
+            </a:pPr>
+            <a:r>
+              <a:rPr lang="ru-RU" dirty="0" smtClean="0"/>
+              <a:t>Некоторые из них:</a:t>
+            </a:r>
+          </a:p>
+          <a:p>
+            <a:pPr marL="0" indent="0">
+              <a:buNone/>
+            </a:pPr>
+            <a:r>
+              <a:rPr lang="ru-RU" dirty="0" smtClean="0"/>
+              <a:t>Если ящик впереди:</a:t>
+            </a:r>
+          </a:p>
+          <a:p>
+            <a:pPr marL="0" indent="0">
+              <a:buNone/>
+            </a:pPr>
+            <a:r>
+              <a:rPr lang="ru-RU" dirty="0"/>
+              <a:t> </a:t>
+            </a:r>
+            <a:r>
+              <a:rPr lang="ru-RU" dirty="0" smtClean="0"/>
+              <a:t>   Если за ним пусто:</a:t>
+            </a:r>
+          </a:p>
+          <a:p>
+            <a:pPr marL="0" indent="0">
+              <a:buNone/>
+            </a:pPr>
+            <a:r>
+              <a:rPr lang="ru-RU" dirty="0"/>
+              <a:t> </a:t>
+            </a:r>
+            <a:r>
+              <a:rPr lang="ru-RU" dirty="0" smtClean="0"/>
+              <a:t>       Двигаем ящик и персонажа</a:t>
+            </a:r>
+          </a:p>
+          <a:p>
+            <a:pPr marL="0" indent="0">
+              <a:buNone/>
+            </a:pPr>
+            <a:r>
+              <a:rPr lang="ru-RU" dirty="0"/>
+              <a:t> </a:t>
+            </a:r>
+            <a:r>
+              <a:rPr lang="ru-RU" dirty="0" smtClean="0"/>
+              <a:t>   Иначе, если за ним есть ящик:</a:t>
+            </a:r>
+          </a:p>
+          <a:p>
+            <a:pPr marL="0" indent="0">
+              <a:buNone/>
+            </a:pPr>
+            <a:r>
+              <a:rPr lang="ru-RU" dirty="0"/>
+              <a:t> </a:t>
+            </a:r>
+            <a:r>
+              <a:rPr lang="ru-RU" dirty="0" smtClean="0"/>
+              <a:t>       Стоим на месте</a:t>
+            </a:r>
+            <a:endParaRPr lang="ru-RU" dirty="0"/>
+          </a:p>
+        </p:txBody>
+      </p:sp>
+      <p:pic>
+        <p:nvPicPr>
+          <p:cNvPr id="4" name="Рисунок 3"/>
+          <p:cNvPicPr>
+            <a:picLocks noChangeAspect="1"/>
+          </p:cNvPicPr>
+          <p:nvPr/>
+        </p:nvPicPr>
+        <p:blipFill>
+          <a:blip r:embed="rId2"/>
+          <a:stretch>
+            <a:fillRect/>
+          </a:stretch>
+        </p:blipFill>
+        <p:spPr>
+          <a:xfrm>
+            <a:off x="7817782" y="1"/>
+            <a:ext cx="4374218" cy="3632200"/>
+          </a:xfrm>
+          <a:prstGeom prst="rect">
+            <a:avLst/>
+          </a:prstGeom>
+        </p:spPr>
+      </p:pic>
+    </p:spTree>
+    <p:extLst>
+      <p:ext uri="{BB962C8B-B14F-4D97-AF65-F5344CB8AC3E}">
+        <p14:creationId xmlns:p14="http://schemas.microsoft.com/office/powerpoint/2010/main" val="1780120664"/>
+      </p:ext>
+    </p:extLst>
+  </p:cSld>
+  <p:clrMapOvr>
+    <a:masterClrMapping/>
+  </p:clrMapOvr>
+</p:sld>
+</file>
+
+<file path=ppt/slides/slide9.xml><?xml version="1.0" encoding="utf-8"?>
+<p:sld xmlns:a="http://schemas.openxmlformats.org/drawingml/2006/main" xmlns:r="http://schemas.openxmlformats.org/officeDocument/2006/relationships" xmlns:p="http://schemas.openxmlformats.org/presentationml/2006/main">
+  <p:cSld>
+    <p:spTree>
+      <p:nvGrpSpPr>
+        <p:cNvPr id="1" name=""/>
+        <p:cNvGrpSpPr/>
+        <p:nvPr/>
+      </p:nvGrpSpPr>
+      <p:grpSpPr>
+        <a:xfrm>
+          <a:off x="0" y="0"/>
+          <a:ext cx="0" cy="0"/>
+          <a:chOff x="0" y="0"/>
+          <a:chExt cx="0" cy="0"/>
+        </a:xfrm>
+      </p:grpSpPr>
+      <p:sp>
+        <p:nvSpPr>
+          <p:cNvPr id="2" name="Заголовок 1"/>
+          <p:cNvSpPr>
+            <a:spLocks noGrp="1"/>
+          </p:cNvSpPr>
+          <p:nvPr>
+            <p:ph type="title"/>
+          </p:nvPr>
+        </p:nvSpPr>
+        <p:spPr/>
+        <p:txBody>
+          <a:bodyPr/>
+          <a:lstStyle/>
+          <a:p>
+            <a:r>
+              <a:rPr lang="ru-RU" dirty="0" smtClean="0"/>
+              <a:t>Структура кода: Вне классов</a:t>
+            </a:r>
+            <a:endParaRPr lang="ru-RU" dirty="0"/>
+          </a:p>
+        </p:txBody>
+      </p:sp>
+      <p:sp>
+        <p:nvSpPr>
+          <p:cNvPr id="3" name="Объект 2"/>
+          <p:cNvSpPr>
+            <a:spLocks noGrp="1"/>
+          </p:cNvSpPr>
+          <p:nvPr>
+            <p:ph idx="1"/>
+          </p:nvPr>
+        </p:nvSpPr>
+        <p:spPr/>
+        <p:txBody>
+          <a:bodyPr/>
+          <a:lstStyle/>
+          <a:p>
+            <a:pPr marL="0" indent="0">
+              <a:buNone/>
+            </a:pPr>
+            <a:r>
+              <a:rPr lang="en-US" dirty="0" smtClean="0"/>
+              <a:t>Main.py:</a:t>
+            </a:r>
+          </a:p>
+          <a:p>
+            <a:pPr marL="0" indent="0">
+              <a:buNone/>
+            </a:pPr>
+            <a:r>
+              <a:rPr lang="en-US" dirty="0" err="1" smtClean="0"/>
+              <a:t>def</a:t>
+            </a:r>
+            <a:r>
+              <a:rPr lang="en-US" dirty="0" smtClean="0"/>
+              <a:t> </a:t>
+            </a:r>
+            <a:r>
+              <a:rPr lang="en-US" dirty="0" err="1" smtClean="0"/>
+              <a:t>UserFile</a:t>
+            </a:r>
+            <a:r>
+              <a:rPr lang="en-US" dirty="0"/>
+              <a:t> </a:t>
+            </a:r>
+            <a:r>
+              <a:rPr lang="en-US" dirty="0" smtClean="0"/>
+              <a:t>– </a:t>
+            </a:r>
+            <a:r>
+              <a:rPr lang="ru-RU" dirty="0" smtClean="0"/>
+              <a:t>открытие файлов</a:t>
+            </a:r>
+          </a:p>
+          <a:p>
+            <a:pPr marL="0" indent="0">
+              <a:buNone/>
+            </a:pPr>
+            <a:r>
+              <a:rPr lang="en-US" dirty="0" smtClean="0"/>
+              <a:t>If __name__ == ‘__main__’ – </a:t>
+            </a:r>
+            <a:r>
+              <a:rPr lang="ru-RU" dirty="0" smtClean="0"/>
+              <a:t>запуск программы, содержит в себе все параметры кнопок</a:t>
+            </a:r>
+            <a:endParaRPr lang="en-US" dirty="0" smtClean="0"/>
+          </a:p>
+        </p:txBody>
+      </p:sp>
+      <p:pic>
+        <p:nvPicPr>
+          <p:cNvPr id="4" name="Рисунок 3"/>
+          <p:cNvPicPr>
+            <a:picLocks noChangeAspect="1"/>
+          </p:cNvPicPr>
+          <p:nvPr/>
+        </p:nvPicPr>
+        <p:blipFill>
+          <a:blip r:embed="rId2"/>
+          <a:stretch>
+            <a:fillRect/>
+          </a:stretch>
+        </p:blipFill>
+        <p:spPr>
+          <a:xfrm>
+            <a:off x="2819115" y="3396073"/>
+            <a:ext cx="5117815" cy="1844793"/>
+          </a:xfrm>
+          <a:prstGeom prst="rect">
+            <a:avLst/>
+          </a:prstGeom>
+        </p:spPr>
+      </p:pic>
+      <p:sp>
+        <p:nvSpPr>
+          <p:cNvPr id="5" name="TextBox 4"/>
+          <p:cNvSpPr txBox="1"/>
+          <p:nvPr/>
+        </p:nvSpPr>
+        <p:spPr>
+          <a:xfrm>
+            <a:off x="11751733" y="6180667"/>
+            <a:ext cx="440267" cy="646331"/>
+          </a:xfrm>
+          <a:prstGeom prst="rect">
+            <a:avLst/>
+          </a:prstGeom>
+          <a:noFill/>
+        </p:spPr>
+        <p:txBody>
+          <a:bodyPr wrap="square" rtlCol="0">
+            <a:spAutoFit/>
+          </a:bodyPr>
+          <a:lstStyle/>
+          <a:p>
+            <a:r>
+              <a:rPr lang="ru-RU" sz="3600" dirty="0" smtClean="0"/>
+              <a:t>8</a:t>
+            </a:r>
+            <a:endParaRPr lang="ru-RU" sz="3600" dirty="0"/>
+          </a:p>
+        </p:txBody>
+      </p:sp>
+    </p:spTree>
+    <p:extLst>
+      <p:ext uri="{BB962C8B-B14F-4D97-AF65-F5344CB8AC3E}">
+        <p14:creationId xmlns:p14="http://schemas.microsoft.com/office/powerpoint/2010/main" val="125632875"/>
+      </p:ext>
+    </p:extLst>
+  </p:cSld>
+  <p:clrMapOvr>
+    <a:masterClrMapping/>
+  </p:clrMapOvr>
+  <p:timing>
+    <p:tnLst>
+      <p:par>
+        <p:cTn id="1" dur="indefinite" restart="never" nodeType="tmRoot"/>
+      </p:par>
+    </p:tnLst>
+  </p:timing>
 </p:sld>
 </file>
 

--- a/Проект «Sokoban™».pptx
+++ b/Проект «Sokoban™».pptx
@@ -14,9 +14,8 @@
     <p:sldId id="263" r:id="rId8"/>
     <p:sldId id="267" r:id="rId9"/>
     <p:sldId id="262" r:id="rId10"/>
-    <p:sldId id="265" r:id="rId11"/>
-    <p:sldId id="266" r:id="rId12"/>
-    <p:sldId id="264" r:id="rId13"/>
+    <p:sldId id="266" r:id="rId11"/>
+    <p:sldId id="264" r:id="rId12"/>
   </p:sldIdLst>
   <p:sldSz cx="12192000" cy="6858000"/>
   <p:notesSz cx="6858000" cy="9144000"/>
@@ -5937,11 +5936,11 @@
           <a:p>
             <a:r>
               <a:rPr lang="ru-RU" dirty="0" err="1" smtClean="0"/>
-              <a:t>Геймплей</a:t>
+              <a:t>Гейпмлей</a:t>
             </a:r>
             <a:r>
               <a:rPr lang="ru-RU" dirty="0" smtClean="0"/>
-              <a:t>: Награды</a:t>
+              <a:t>: суть</a:t>
             </a:r>
             <a:endParaRPr lang="ru-RU" dirty="0"/>
           </a:p>
@@ -5963,286 +5962,35 @@
           <a:lstStyle/>
           <a:p>
             <a:r>
-              <a:rPr lang="ru-RU" dirty="0"/>
-              <a:t>Награда </a:t>
-            </a:r>
-            <a:r>
-              <a:rPr lang="en-US" dirty="0"/>
-              <a:t>The Sokoban Awards: </a:t>
-            </a:r>
-            <a:r>
-              <a:rPr lang="ru-RU" dirty="0"/>
-              <a:t>Самая лучшая игра</a:t>
-            </a:r>
-            <a:r>
-              <a:rPr lang="en-US" dirty="0"/>
-              <a:t> </a:t>
-            </a:r>
-            <a:r>
-              <a:rPr lang="en-US" dirty="0" err="1"/>
-              <a:t>sokoban</a:t>
-            </a:r>
-            <a:r>
-              <a:rPr lang="ru-RU" dirty="0"/>
-              <a:t> года</a:t>
-            </a:r>
-            <a:r>
               <a:rPr lang="ru-RU" dirty="0" smtClean="0"/>
-              <a:t>.</a:t>
+              <a:t>Задача – Передвинуть все коробки на кресты.</a:t>
             </a:r>
           </a:p>
           <a:p>
             <a:r>
               <a:rPr lang="ru-RU" dirty="0" smtClean="0"/>
-              <a:t>Номинация</a:t>
-            </a:r>
-            <a:r>
-              <a:rPr lang="en-US" dirty="0" smtClean="0"/>
-              <a:t> The </a:t>
-            </a:r>
-            <a:r>
-              <a:rPr lang="en-US" dirty="0"/>
-              <a:t>Sokoban </a:t>
-            </a:r>
-            <a:r>
-              <a:rPr lang="en-US" dirty="0" smtClean="0"/>
-              <a:t>Awards</a:t>
-            </a:r>
+              <a:t>Преодолеть все головоломки.</a:t>
+            </a:r>
+          </a:p>
+          <a:p>
             <a:r>
               <a:rPr lang="ru-RU" dirty="0" smtClean="0"/>
-              <a:t>:</a:t>
-            </a:r>
-            <a:r>
-              <a:rPr lang="en-US" dirty="0" smtClean="0"/>
-              <a:t> </a:t>
-            </a:r>
-            <a:r>
-              <a:rPr lang="ru-RU" dirty="0" smtClean="0"/>
-              <a:t>Самый захватывающий </a:t>
-            </a:r>
-            <a:r>
-              <a:rPr lang="ru-RU" dirty="0" err="1" smtClean="0"/>
-              <a:t>геймплей</a:t>
-            </a:r>
-            <a:r>
-              <a:rPr lang="ru-RU" dirty="0" smtClean="0"/>
-              <a:t>.</a:t>
-            </a:r>
-          </a:p>
-          <a:p>
-            <a:r>
-              <a:rPr lang="ru-RU" dirty="0" smtClean="0"/>
-              <a:t>Номинация </a:t>
-            </a:r>
-            <a:r>
-              <a:rPr lang="en-US" dirty="0" smtClean="0"/>
-              <a:t>The </a:t>
-            </a:r>
-            <a:r>
-              <a:rPr lang="en-US" dirty="0"/>
-              <a:t>Sokoban </a:t>
-            </a:r>
-            <a:r>
-              <a:rPr lang="en-US" dirty="0" smtClean="0"/>
-              <a:t>Awards</a:t>
-            </a:r>
-            <a:r>
-              <a:rPr lang="ru-RU" dirty="0" smtClean="0"/>
-              <a:t>:</a:t>
-            </a:r>
-            <a:r>
-              <a:rPr lang="en-US" dirty="0" smtClean="0"/>
-              <a:t> </a:t>
-            </a:r>
-            <a:r>
-              <a:rPr lang="ru-RU" dirty="0" smtClean="0"/>
-              <a:t>Лучшая графика.</a:t>
-            </a:r>
-          </a:p>
-        </p:txBody>
-      </p:sp>
-      <p:pic>
-        <p:nvPicPr>
-          <p:cNvPr id="1028" name="Picture 4" descr="https://cdn.discordapp.com/attachments/919550147057291277/933351725119725588/unknown.png"/>
-          <p:cNvPicPr>
-            <a:picLocks noChangeAspect="1" noChangeArrowheads="1"/>
-          </p:cNvPicPr>
+              <a:t>Обойти всех игроков по количеству шагов.</a:t>
+            </a:r>
+            <a:endParaRPr lang="ru-RU" dirty="0"/>
+          </a:p>
+        </p:txBody>
+      </p:sp>
+      <p:sp>
+        <p:nvSpPr>
+          <p:cNvPr id="4" name="TextBox 3"/>
+          <p:cNvSpPr txBox="1"/>
           <p:nvPr/>
-        </p:nvPicPr>
-        <p:blipFill>
-          <a:blip r:embed="rId2">
-            <a:extLst>
-              <a:ext uri="{28A0092B-C50C-407E-A947-70E740481C1C}">
-                <a14:useLocalDpi xmlns:a14="http://schemas.microsoft.com/office/drawing/2010/main" val="0"/>
-              </a:ext>
-            </a:extLst>
-          </a:blip>
-          <a:srcRect/>
-          <a:stretch>
-            <a:fillRect/>
-          </a:stretch>
-        </p:blipFill>
-        <p:spPr bwMode="auto">
-          <a:xfrm>
-            <a:off x="0" y="3483437"/>
-            <a:ext cx="4597400" cy="3374563"/>
-          </a:xfrm>
-          <a:prstGeom prst="rect">
-            <a:avLst/>
-          </a:prstGeom>
-          <a:noFill/>
-          <a:extLst>
-            <a:ext uri="{909E8E84-426E-40DD-AFC4-6F175D3DCCD1}">
-              <a14:hiddenFill xmlns:a14="http://schemas.microsoft.com/office/drawing/2010/main">
-                <a:solidFill>
-                  <a:srgbClr val="FFFFFF"/>
-                </a:solidFill>
-              </a14:hiddenFill>
-            </a:ext>
-          </a:extLst>
-        </p:spPr>
-      </p:pic>
-      <p:pic>
-        <p:nvPicPr>
-          <p:cNvPr id="5" name="Рисунок 4"/>
-          <p:cNvPicPr>
-            <a:picLocks noChangeAspect="1"/>
-          </p:cNvPicPr>
-          <p:nvPr/>
-        </p:nvPicPr>
-        <p:blipFill>
-          <a:blip r:embed="rId3">
-            <a:extLst>
-              <a:ext uri="{28A0092B-C50C-407E-A947-70E740481C1C}">
-                <a14:useLocalDpi xmlns:a14="http://schemas.microsoft.com/office/drawing/2010/main" val="0"/>
-              </a:ext>
-            </a:extLst>
-          </a:blip>
-          <a:stretch>
-            <a:fillRect/>
-          </a:stretch>
-        </p:blipFill>
+        </p:nvSpPr>
         <p:spPr>
           <a:xfrm>
-            <a:off x="9000067" y="172509"/>
-            <a:ext cx="3037568" cy="2031173"/>
-          </a:xfrm>
-          <a:prstGeom prst="rect">
-            <a:avLst/>
-          </a:prstGeom>
-        </p:spPr>
-      </p:pic>
-      <p:pic>
-        <p:nvPicPr>
-          <p:cNvPr id="6" name="Рисунок 5"/>
-          <p:cNvPicPr>
-            <a:picLocks noChangeAspect="1"/>
-          </p:cNvPicPr>
-          <p:nvPr/>
-        </p:nvPicPr>
-        <p:blipFill>
-          <a:blip r:embed="rId4">
-            <a:extLst>
-              <a:ext uri="{28A0092B-C50C-407E-A947-70E740481C1C}">
-                <a14:useLocalDpi xmlns:a14="http://schemas.microsoft.com/office/drawing/2010/main" val="0"/>
-              </a:ext>
-            </a:extLst>
-          </a:blip>
-          <a:stretch>
-            <a:fillRect/>
-          </a:stretch>
-        </p:blipFill>
-        <p:spPr>
-          <a:xfrm>
-            <a:off x="9000067" y="2376493"/>
-            <a:ext cx="3037568" cy="2031173"/>
-          </a:xfrm>
-          <a:prstGeom prst="rect">
-            <a:avLst/>
-          </a:prstGeom>
-        </p:spPr>
-      </p:pic>
-      <p:pic>
-        <p:nvPicPr>
-          <p:cNvPr id="7" name="Рисунок 6"/>
-          <p:cNvPicPr>
-            <a:picLocks noChangeAspect="1"/>
-          </p:cNvPicPr>
-          <p:nvPr/>
-        </p:nvPicPr>
-        <p:blipFill>
-          <a:blip r:embed="rId4">
-            <a:extLst>
-              <a:ext uri="{28A0092B-C50C-407E-A947-70E740481C1C}">
-                <a14:useLocalDpi xmlns:a14="http://schemas.microsoft.com/office/drawing/2010/main" val="0"/>
-              </a:ext>
-            </a:extLst>
-          </a:blip>
-          <a:stretch>
-            <a:fillRect/>
-          </a:stretch>
-        </p:blipFill>
-        <p:spPr>
-          <a:xfrm>
-            <a:off x="9000067" y="4580477"/>
-            <a:ext cx="3037568" cy="2031172"/>
-          </a:xfrm>
-          <a:prstGeom prst="rect">
-            <a:avLst/>
-          </a:prstGeom>
-        </p:spPr>
-      </p:pic>
-      <p:pic>
-        <p:nvPicPr>
-          <p:cNvPr id="1030" name="Picture 6" descr="https://pegi.info/themes/pegi/public-images/pegi/pegi3.png"/>
-          <p:cNvPicPr>
-            <a:picLocks noChangeAspect="1" noChangeArrowheads="1"/>
-          </p:cNvPicPr>
-          <p:nvPr/>
-        </p:nvPicPr>
-        <p:blipFill>
-          <a:blip r:embed="rId5">
-            <a:extLst>
-              <a:ext uri="{28A0092B-C50C-407E-A947-70E740481C1C}">
-                <a14:useLocalDpi xmlns:a14="http://schemas.microsoft.com/office/drawing/2010/main" val="0"/>
-              </a:ext>
-            </a:extLst>
-          </a:blip>
-          <a:srcRect/>
-          <a:stretch>
-            <a:fillRect/>
-          </a:stretch>
-        </p:blipFill>
-        <p:spPr bwMode="auto">
-          <a:xfrm>
-            <a:off x="4597400" y="5431580"/>
-            <a:ext cx="1168399" cy="1426420"/>
-          </a:xfrm>
-          <a:prstGeom prst="rect">
-            <a:avLst/>
-          </a:prstGeom>
-          <a:noFill/>
-          <a:extLst>
-            <a:ext uri="{909E8E84-426E-40DD-AFC4-6F175D3DCCD1}">
-              <a14:hiddenFill xmlns:a14="http://schemas.microsoft.com/office/drawing/2010/main">
-                <a:solidFill>
-                  <a:srgbClr val="FFFFFF"/>
-                </a:solidFill>
-              </a14:hiddenFill>
-            </a:ext>
-          </a:extLst>
-        </p:spPr>
-      </p:pic>
-      <p:sp>
-        <p:nvSpPr>
-          <p:cNvPr id="11" name="TextBox 10"/>
-          <p:cNvSpPr txBox="1"/>
-          <p:nvPr/>
-        </p:nvSpPr>
-        <p:spPr>
-          <a:xfrm>
-            <a:off x="11751733" y="6180667"/>
-            <a:ext cx="440267" cy="646331"/>
+            <a:off x="11514667" y="6180667"/>
+            <a:ext cx="677333" cy="646331"/>
           </a:xfrm>
           <a:prstGeom prst="rect">
             <a:avLst/>
@@ -6256,16 +6004,17 @@
           <a:lstStyle/>
           <a:p>
             <a:r>
-              <a:rPr lang="ru-RU" sz="3600" dirty="0"/>
-              <a:t>9</a:t>
-            </a:r>
+              <a:rPr lang="ru-RU" sz="3600" dirty="0" smtClean="0"/>
+              <a:t>10</a:t>
+            </a:r>
+            <a:endParaRPr lang="ru-RU" sz="3600" dirty="0"/>
           </a:p>
         </p:txBody>
       </p:sp>
     </p:spTree>
     <p:extLst>
       <p:ext uri="{BB962C8B-B14F-4D97-AF65-F5344CB8AC3E}">
-        <p14:creationId xmlns:p14="http://schemas.microsoft.com/office/powerpoint/2010/main" val="4218814262"/>
+        <p14:creationId xmlns:p14="http://schemas.microsoft.com/office/powerpoint/2010/main" val="2010701814"/>
       </p:ext>
     </p:extLst>
   </p:cSld>
@@ -6308,128 +6057,6 @@
           <a:lstStyle/>
           <a:p>
             <a:r>
-              <a:rPr lang="ru-RU" dirty="0" err="1" smtClean="0"/>
-              <a:t>Гейпмлей</a:t>
-            </a:r>
-            <a:r>
-              <a:rPr lang="ru-RU" dirty="0" smtClean="0"/>
-              <a:t>: суть</a:t>
-            </a:r>
-            <a:endParaRPr lang="ru-RU" dirty="0"/>
-          </a:p>
-        </p:txBody>
-      </p:sp>
-      <p:sp>
-        <p:nvSpPr>
-          <p:cNvPr id="3" name="Объект 2"/>
-          <p:cNvSpPr>
-            <a:spLocks noGrp="1"/>
-          </p:cNvSpPr>
-          <p:nvPr>
-            <p:ph idx="1"/>
-          </p:nvPr>
-        </p:nvSpPr>
-        <p:spPr/>
-        <p:txBody>
-          <a:bodyPr/>
-          <a:lstStyle/>
-          <a:p>
-            <a:r>
-              <a:rPr lang="ru-RU" dirty="0" smtClean="0"/>
-              <a:t>Задача – Передвинуть все коробки на кресты.</a:t>
-            </a:r>
-          </a:p>
-          <a:p>
-            <a:r>
-              <a:rPr lang="ru-RU" dirty="0" smtClean="0"/>
-              <a:t>Преодолеть все головоломки.</a:t>
-            </a:r>
-          </a:p>
-          <a:p>
-            <a:r>
-              <a:rPr lang="ru-RU" dirty="0" smtClean="0"/>
-              <a:t>Обойти всех игроков по количеству шагов.</a:t>
-            </a:r>
-            <a:endParaRPr lang="ru-RU" dirty="0"/>
-          </a:p>
-        </p:txBody>
-      </p:sp>
-      <p:sp>
-        <p:nvSpPr>
-          <p:cNvPr id="4" name="TextBox 3"/>
-          <p:cNvSpPr txBox="1"/>
-          <p:nvPr/>
-        </p:nvSpPr>
-        <p:spPr>
-          <a:xfrm>
-            <a:off x="11514667" y="6180667"/>
-            <a:ext cx="677333" cy="646331"/>
-          </a:xfrm>
-          <a:prstGeom prst="rect">
-            <a:avLst/>
-          </a:prstGeom>
-          <a:noFill/>
-        </p:spPr>
-        <p:txBody>
-          <a:bodyPr wrap="square" rtlCol="0">
-            <a:spAutoFit/>
-          </a:bodyPr>
-          <a:lstStyle/>
-          <a:p>
-            <a:r>
-              <a:rPr lang="ru-RU" sz="3600" dirty="0" smtClean="0"/>
-              <a:t>10</a:t>
-            </a:r>
-            <a:endParaRPr lang="ru-RU" sz="3600" dirty="0"/>
-          </a:p>
-        </p:txBody>
-      </p:sp>
-    </p:spTree>
-    <p:extLst>
-      <p:ext uri="{BB962C8B-B14F-4D97-AF65-F5344CB8AC3E}">
-        <p14:creationId xmlns:p14="http://schemas.microsoft.com/office/powerpoint/2010/main" val="2010701814"/>
-      </p:ext>
-    </p:extLst>
-  </p:cSld>
-  <p:clrMapOvr>
-    <a:masterClrMapping/>
-  </p:clrMapOvr>
-</p:sld>
-</file>
-
-<file path=ppt/slides/slide12.xml><?xml version="1.0" encoding="utf-8"?>
-<p:sld xmlns:a="http://schemas.openxmlformats.org/drawingml/2006/main" xmlns:r="http://schemas.openxmlformats.org/officeDocument/2006/relationships" xmlns:p="http://schemas.openxmlformats.org/presentationml/2006/main">
-  <p:cSld>
-    <p:spTree>
-      <p:nvGrpSpPr>
-        <p:cNvPr id="1" name=""/>
-        <p:cNvGrpSpPr/>
-        <p:nvPr/>
-      </p:nvGrpSpPr>
-      <p:grpSpPr>
-        <a:xfrm>
-          <a:off x="0" y="0"/>
-          <a:ext cx="0" cy="0"/>
-          <a:chOff x="0" y="0"/>
-          <a:chExt cx="0" cy="0"/>
-        </a:xfrm>
-      </p:grpSpPr>
-      <p:sp>
-        <p:nvSpPr>
-          <p:cNvPr id="2" name="Заголовок 1"/>
-          <p:cNvSpPr>
-            <a:spLocks noGrp="1"/>
-          </p:cNvSpPr>
-          <p:nvPr>
-            <p:ph type="title"/>
-          </p:nvPr>
-        </p:nvSpPr>
-        <p:spPr/>
-        <p:txBody>
-          <a:bodyPr/>
-          <a:lstStyle/>
-          <a:p>
-            <a:r>
               <a:rPr lang="ru-RU" dirty="0" smtClean="0"/>
               <a:t>Заключение</a:t>
             </a:r>
@@ -6457,23 +6084,7 @@
             </a:pPr>
             <a:r>
               <a:rPr lang="ru-RU" dirty="0" smtClean="0"/>
-              <a:t>Игра </a:t>
-            </a:r>
-            <a:r>
-              <a:rPr lang="ru-RU" smtClean="0"/>
-              <a:t>имеет </a:t>
-            </a:r>
-            <a:r>
-              <a:rPr lang="ru-RU" smtClean="0"/>
-              <a:t>пару</a:t>
-            </a:r>
-            <a:r>
-              <a:rPr lang="ru-RU" smtClean="0"/>
-              <a:t> </a:t>
-            </a:r>
-            <a:r>
-              <a:rPr lang="ru-RU" dirty="0" smtClean="0"/>
-              <a:t>недочётов, которые мы в скором времени постараемся исправить. В них входят:</a:t>
+              <a:t>Игра имеет пару недочётов, которые мы в скором времени постараемся исправить. В них входят:</a:t>
             </a:r>
           </a:p>
           <a:p>
@@ -6482,8 +6093,12 @@
               <a:t>Всего </a:t>
             </a:r>
             <a:r>
-              <a:rPr lang="ru-RU" dirty="0"/>
-              <a:t>1293</a:t>
+              <a:rPr lang="ru-RU" dirty="0" smtClean="0"/>
+              <a:t>1</a:t>
+            </a:r>
+            <a:r>
+              <a:rPr lang="en-US" dirty="0" smtClean="0"/>
+              <a:t>376</a:t>
             </a:r>
             <a:r>
               <a:rPr lang="ru-RU" dirty="0" smtClean="0"/>
@@ -6495,7 +6110,11 @@
             </a:r>
             <a:r>
               <a:rPr lang="ru-RU" dirty="0" smtClean="0"/>
-              <a:t>21</a:t>
+              <a:t>2</a:t>
+            </a:r>
+            <a:r>
+              <a:rPr lang="en-US" dirty="0" smtClean="0"/>
+              <a:t>2</a:t>
             </a:r>
             <a:r>
               <a:rPr lang="ru-RU" dirty="0" smtClean="0"/>
@@ -6503,13 +6122,7 @@
             </a:r>
             <a:r>
               <a:rPr lang="en-US" dirty="0" smtClean="0"/>
-              <a:t>;</a:t>
-            </a:r>
-          </a:p>
-          <a:p>
-            <a:r>
-              <a:rPr lang="ru-RU" dirty="0" smtClean="0"/>
-              <a:t>Небольшие баги в работе игры.</a:t>
+              <a:t>.</a:t>
             </a:r>
             <a:endParaRPr lang="ru-RU" dirty="0"/>
           </a:p>

--- a/Проект «Sokoban™».pptx
+++ b/Проект «Sokoban™».pptx
@@ -12,8 +12,8 @@
     <p:sldId id="260" r:id="rId6"/>
     <p:sldId id="261" r:id="rId7"/>
     <p:sldId id="263" r:id="rId8"/>
-    <p:sldId id="262" r:id="rId9"/>
-    <p:sldId id="265" r:id="rId10"/>
+    <p:sldId id="267" r:id="rId9"/>
+    <p:sldId id="262" r:id="rId10"/>
     <p:sldId id="266" r:id="rId11"/>
     <p:sldId id="264" r:id="rId12"/>
   </p:sldIdLst>
@@ -114,6 +114,11 @@
       </a:defRPr>
     </a:lvl9pPr>
   </p:defaultTextStyle>
+  <p:extLst>
+    <p:ext uri="{EFAFB233-063F-42B5-8137-9DF3F51BA10A}">
+      <p15:sldGuideLst xmlns:p15="http://schemas.microsoft.com/office/powerpoint/2012/main"/>
+    </p:ext>
+  </p:extLst>
 </p:presentation>
 </file>
 
@@ -842,7 +847,7 @@
             <a:fld id="{B61BEF0D-F0BB-DE4B-95CE-6DB70DBA9567}" type="datetimeFigureOut">
               <a:rPr lang="en-US" dirty="0"/>
               <a:pPr/>
-              <a:t>1/18/2022</a:t>
+              <a:t>1/22/2022</a:t>
             </a:fld>
             <a:endParaRPr lang="en-US" dirty="0"/>
           </a:p>
@@ -1090,7 +1095,7 @@
             <a:fld id="{B61BEF0D-F0BB-DE4B-95CE-6DB70DBA9567}" type="datetimeFigureOut">
               <a:rPr lang="en-US" dirty="0"/>
               <a:pPr/>
-              <a:t>1/18/2022</a:t>
+              <a:t>1/22/2022</a:t>
             </a:fld>
             <a:endParaRPr lang="en-US" dirty="0"/>
           </a:p>
@@ -1401,7 +1406,7 @@
             <a:fld id="{B61BEF0D-F0BB-DE4B-95CE-6DB70DBA9567}" type="datetimeFigureOut">
               <a:rPr lang="en-US" dirty="0"/>
               <a:pPr/>
-              <a:t>1/18/2022</a:t>
+              <a:t>1/22/2022</a:t>
             </a:fld>
             <a:endParaRPr lang="en-US" dirty="0"/>
           </a:p>
@@ -1725,7 +1730,7 @@
             <a:fld id="{B61BEF0D-F0BB-DE4B-95CE-6DB70DBA9567}" type="datetimeFigureOut">
               <a:rPr lang="en-US" dirty="0"/>
               <a:pPr/>
-              <a:t>1/18/2022</a:t>
+              <a:t>1/22/2022</a:t>
             </a:fld>
             <a:endParaRPr lang="en-US" dirty="0"/>
           </a:p>
@@ -2036,7 +2041,7 @@
             <a:fld id="{B61BEF0D-F0BB-DE4B-95CE-6DB70DBA9567}" type="datetimeFigureOut">
               <a:rPr lang="en-US" dirty="0"/>
               <a:pPr/>
-              <a:t>1/18/2022</a:t>
+              <a:t>1/22/2022</a:t>
             </a:fld>
             <a:endParaRPr lang="en-US" dirty="0"/>
           </a:p>
@@ -2420,7 +2425,7 @@
             <a:fld id="{B61BEF0D-F0BB-DE4B-95CE-6DB70DBA9567}" type="datetimeFigureOut">
               <a:rPr lang="en-US" dirty="0"/>
               <a:pPr/>
-              <a:t>1/18/2022</a:t>
+              <a:t>1/22/2022</a:t>
             </a:fld>
             <a:endParaRPr lang="en-US" dirty="0"/>
           </a:p>
@@ -2586,7 +2591,7 @@
           <a:p>
             <a:fld id="{55C6B4A9-1611-4792-9094-5F34BCA07E0B}" type="datetimeFigureOut">
               <a:rPr lang="en-US" dirty="0"/>
-              <a:t>1/18/2022</a:t>
+              <a:t>1/22/2022</a:t>
             </a:fld>
             <a:endParaRPr lang="en-US" dirty="0"/>
           </a:p>
@@ -2762,7 +2767,7 @@
             <a:fld id="{B61BEF0D-F0BB-DE4B-95CE-6DB70DBA9567}" type="datetimeFigureOut">
               <a:rPr lang="en-US" dirty="0"/>
               <a:pPr/>
-              <a:t>1/18/2022</a:t>
+              <a:t>1/22/2022</a:t>
             </a:fld>
             <a:endParaRPr lang="en-US" dirty="0"/>
           </a:p>
@@ -2935,7 +2940,7 @@
             <a:fld id="{B61BEF0D-F0BB-DE4B-95CE-6DB70DBA9567}" type="datetimeFigureOut">
               <a:rPr lang="en-US" dirty="0"/>
               <a:pPr/>
-              <a:t>1/18/2022</a:t>
+              <a:t>1/22/2022</a:t>
             </a:fld>
             <a:endParaRPr lang="en-US" dirty="0"/>
           </a:p>
@@ -3179,7 +3184,7 @@
             <a:fld id="{B61BEF0D-F0BB-DE4B-95CE-6DB70DBA9567}" type="datetimeFigureOut">
               <a:rPr lang="en-US" dirty="0"/>
               <a:pPr/>
-              <a:t>1/18/2022</a:t>
+              <a:t>1/22/2022</a:t>
             </a:fld>
             <a:endParaRPr lang="en-US" dirty="0"/>
           </a:p>
@@ -3407,7 +3412,7 @@
           <a:p>
             <a:fld id="{EB712588-04B1-427B-82EE-E8DB90309F08}" type="datetimeFigureOut">
               <a:rPr lang="en-US" dirty="0"/>
-              <a:t>1/18/2022</a:t>
+              <a:t>1/22/2022</a:t>
             </a:fld>
             <a:endParaRPr lang="en-US" dirty="0"/>
           </a:p>
@@ -3777,7 +3782,7 @@
             <a:fld id="{B61BEF0D-F0BB-DE4B-95CE-6DB70DBA9567}" type="datetimeFigureOut">
               <a:rPr lang="en-US" dirty="0"/>
               <a:pPr/>
-              <a:t>1/18/2022</a:t>
+              <a:t>1/22/2022</a:t>
             </a:fld>
             <a:endParaRPr lang="en-US" dirty="0"/>
           </a:p>
@@ -3897,7 +3902,7 @@
             <a:fld id="{B61BEF0D-F0BB-DE4B-95CE-6DB70DBA9567}" type="datetimeFigureOut">
               <a:rPr lang="en-US" dirty="0"/>
               <a:pPr/>
-              <a:t>1/18/2022</a:t>
+              <a:t>1/22/2022</a:t>
             </a:fld>
             <a:endParaRPr lang="en-US" dirty="0"/>
           </a:p>
@@ -3989,7 +3994,7 @@
             <a:fld id="{B61BEF0D-F0BB-DE4B-95CE-6DB70DBA9567}" type="datetimeFigureOut">
               <a:rPr lang="en-US" dirty="0"/>
               <a:pPr/>
-              <a:t>1/18/2022</a:t>
+              <a:t>1/22/2022</a:t>
             </a:fld>
             <a:endParaRPr lang="en-US" dirty="0"/>
           </a:p>
@@ -4240,7 +4245,7 @@
           <a:p>
             <a:fld id="{42A54C80-263E-416B-A8E0-580EDEADCBDC}" type="datetimeFigureOut">
               <a:rPr lang="en-US" dirty="0"/>
-              <a:t>1/18/2022</a:t>
+              <a:t>1/22/2022</a:t>
             </a:fld>
             <a:endParaRPr lang="en-US" dirty="0"/>
           </a:p>
@@ -4499,7 +4504,7 @@
             <a:fld id="{B61BEF0D-F0BB-DE4B-95CE-6DB70DBA9567}" type="datetimeFigureOut">
               <a:rPr lang="en-US" dirty="0"/>
               <a:pPr/>
-              <a:t>1/18/2022</a:t>
+              <a:t>1/22/2022</a:t>
             </a:fld>
             <a:endParaRPr lang="en-US" dirty="0"/>
           </a:p>
@@ -5241,7 +5246,7 @@
             <a:fld id="{B61BEF0D-F0BB-DE4B-95CE-6DB70DBA9567}" type="datetimeFigureOut">
               <a:rPr lang="en-US" dirty="0"/>
               <a:pPr/>
-              <a:t>1/18/2022</a:t>
+              <a:t>1/22/2022</a:t>
             </a:fld>
             <a:endParaRPr lang="en-US" dirty="0"/>
           </a:p>
@@ -6079,33 +6084,45 @@
             </a:pPr>
             <a:r>
               <a:rPr lang="ru-RU" dirty="0" smtClean="0"/>
-              <a:t>Игра имеет множество недочётов, которые мы в скором времени постараемся исправить. В них входят:</a:t>
+              <a:t>Игра имеет пару недочётов, которые мы в скором времени постараемся исправить. В них входят:</a:t>
             </a:r>
           </a:p>
           <a:p>
             <a:r>
               <a:rPr lang="ru-RU" dirty="0" smtClean="0"/>
-              <a:t>Всего 934 строки из 1500 на момент 19.01.22</a:t>
+              <a:t>Всего </a:t>
+            </a:r>
+            <a:r>
+              <a:rPr lang="ru-RU" dirty="0" smtClean="0"/>
+              <a:t>1</a:t>
             </a:r>
             <a:r>
               <a:rPr lang="en-US" dirty="0" smtClean="0"/>
-              <a:t>;</a:t>
-            </a:r>
-          </a:p>
-          <a:p>
+              <a:t>376</a:t>
+            </a:r>
             <a:r>
               <a:rPr lang="ru-RU" dirty="0" smtClean="0"/>
-              <a:t>Не выполнена система подсчёта рекордов</a:t>
+              <a:t> </a:t>
+            </a:r>
+            <a:r>
+              <a:rPr lang="ru-RU" dirty="0" smtClean="0"/>
+              <a:t>строки из 1500 на момент </a:t>
+            </a:r>
+            <a:r>
+              <a:rPr lang="ru-RU" dirty="0" smtClean="0"/>
+              <a:t>2</a:t>
             </a:r>
             <a:r>
               <a:rPr lang="en-US" dirty="0" smtClean="0"/>
-              <a:t>;</a:t>
-            </a:r>
-          </a:p>
-          <a:p>
+              <a:t>2</a:t>
+            </a:r>
             <a:r>
               <a:rPr lang="ru-RU" dirty="0" smtClean="0"/>
-              <a:t>Не подключена база данных.</a:t>
+              <a:t>.01.22</a:t>
+            </a:r>
+            <a:r>
+              <a:rPr lang="en-US" dirty="0" smtClean="0"/>
+              <a:t>.</a:t>
             </a:r>
             <a:endParaRPr lang="ru-RU" dirty="0"/>
           </a:p>
@@ -6278,7 +6295,6 @@
               <a:rPr lang="ru-RU" sz="3600" dirty="0"/>
               <a:t>2</a:t>
             </a:r>
-            <a:endParaRPr lang="ru-RU" sz="3600" dirty="0"/>
           </a:p>
         </p:txBody>
       </p:sp>
@@ -6391,7 +6407,6 @@
               <a:rPr lang="ru-RU" sz="3600" dirty="0"/>
               <a:t>3</a:t>
             </a:r>
-            <a:endParaRPr lang="ru-RU" sz="3600" dirty="0"/>
           </a:p>
         </p:txBody>
       </p:sp>
@@ -6578,7 +6593,6 @@
               <a:rPr lang="ru-RU" sz="3600" dirty="0"/>
               <a:t>4</a:t>
             </a:r>
-            <a:endParaRPr lang="ru-RU" sz="3600" dirty="0"/>
           </a:p>
         </p:txBody>
       </p:sp>
@@ -6863,7 +6877,6 @@
               <a:rPr lang="ru-RU" sz="3600" dirty="0"/>
               <a:t>5</a:t>
             </a:r>
-            <a:endParaRPr lang="ru-RU" sz="3600" dirty="0"/>
           </a:p>
         </p:txBody>
       </p:sp>
@@ -7148,7 +7161,6 @@
               <a:rPr lang="ru-RU" sz="3600" dirty="0"/>
               <a:t>6</a:t>
             </a:r>
-            <a:endParaRPr lang="ru-RU" sz="3600" dirty="0"/>
           </a:p>
         </p:txBody>
       </p:sp>
@@ -7323,7 +7335,6 @@
               <a:rPr lang="ru-RU" sz="3600" dirty="0"/>
               <a:t>7</a:t>
             </a:r>
-            <a:endParaRPr lang="ru-RU" sz="3600" dirty="0"/>
           </a:p>
         </p:txBody>
       </p:sp>
@@ -7381,6 +7392,185 @@
           <a:p>
             <a:r>
               <a:rPr lang="ru-RU" dirty="0" smtClean="0"/>
+              <a:t>Структура кода: Движение</a:t>
+            </a:r>
+            <a:endParaRPr lang="ru-RU" dirty="0"/>
+          </a:p>
+        </p:txBody>
+      </p:sp>
+      <p:sp>
+        <p:nvSpPr>
+          <p:cNvPr id="3" name="Объект 2"/>
+          <p:cNvSpPr>
+            <a:spLocks noGrp="1"/>
+          </p:cNvSpPr>
+          <p:nvPr>
+            <p:ph idx="1"/>
+          </p:nvPr>
+        </p:nvSpPr>
+        <p:spPr/>
+        <p:txBody>
+          <a:bodyPr/>
+          <a:lstStyle/>
+          <a:p>
+            <a:r>
+              <a:rPr lang="ru-RU" dirty="0" smtClean="0"/>
+              <a:t>Для перемещения по игровому полю используется</a:t>
+            </a:r>
+          </a:p>
+          <a:p>
+            <a:pPr marL="0" indent="0">
+              <a:buNone/>
+            </a:pPr>
+            <a:r>
+              <a:rPr lang="ru-RU" dirty="0" smtClean="0"/>
+              <a:t>множество условий, предусмотренных на каждый случай жизни.</a:t>
+            </a:r>
+          </a:p>
+          <a:p>
+            <a:pPr marL="0" indent="0">
+              <a:buNone/>
+            </a:pPr>
+            <a:r>
+              <a:rPr lang="ru-RU" dirty="0" smtClean="0"/>
+              <a:t>Некоторые из них:</a:t>
+            </a:r>
+          </a:p>
+          <a:p>
+            <a:pPr marL="0" indent="0">
+              <a:buNone/>
+            </a:pPr>
+            <a:r>
+              <a:rPr lang="ru-RU" dirty="0" smtClean="0"/>
+              <a:t>Если ящик впереди:</a:t>
+            </a:r>
+          </a:p>
+          <a:p>
+            <a:pPr marL="0" indent="0">
+              <a:buNone/>
+            </a:pPr>
+            <a:r>
+              <a:rPr lang="ru-RU" dirty="0"/>
+              <a:t> </a:t>
+            </a:r>
+            <a:r>
+              <a:rPr lang="ru-RU" dirty="0" smtClean="0"/>
+              <a:t>   Если за ним пусто:</a:t>
+            </a:r>
+          </a:p>
+          <a:p>
+            <a:pPr marL="0" indent="0">
+              <a:buNone/>
+            </a:pPr>
+            <a:r>
+              <a:rPr lang="ru-RU" dirty="0"/>
+              <a:t> </a:t>
+            </a:r>
+            <a:r>
+              <a:rPr lang="ru-RU" dirty="0" smtClean="0"/>
+              <a:t>       Двигаем ящик и персонажа</a:t>
+            </a:r>
+          </a:p>
+          <a:p>
+            <a:pPr marL="0" indent="0">
+              <a:buNone/>
+            </a:pPr>
+            <a:r>
+              <a:rPr lang="ru-RU" dirty="0"/>
+              <a:t> </a:t>
+            </a:r>
+            <a:r>
+              <a:rPr lang="ru-RU" dirty="0" smtClean="0"/>
+              <a:t>   Иначе, если за ним есть ящик:</a:t>
+            </a:r>
+          </a:p>
+          <a:p>
+            <a:pPr marL="0" indent="0">
+              <a:buNone/>
+            </a:pPr>
+            <a:r>
+              <a:rPr lang="ru-RU" dirty="0"/>
+              <a:t> </a:t>
+            </a:r>
+            <a:r>
+              <a:rPr lang="ru-RU" dirty="0" smtClean="0"/>
+              <a:t>       Стоим на месте</a:t>
+            </a:r>
+            <a:endParaRPr lang="ru-RU" dirty="0"/>
+          </a:p>
+        </p:txBody>
+      </p:sp>
+      <p:pic>
+        <p:nvPicPr>
+          <p:cNvPr id="4" name="Рисунок 3"/>
+          <p:cNvPicPr>
+            <a:picLocks noChangeAspect="1"/>
+          </p:cNvPicPr>
+          <p:nvPr/>
+        </p:nvPicPr>
+        <p:blipFill>
+          <a:blip r:embed="rId2"/>
+          <a:stretch>
+            <a:fillRect/>
+          </a:stretch>
+        </p:blipFill>
+        <p:spPr>
+          <a:xfrm>
+            <a:off x="7817782" y="1"/>
+            <a:ext cx="4374218" cy="3632200"/>
+          </a:xfrm>
+          <a:prstGeom prst="rect">
+            <a:avLst/>
+          </a:prstGeom>
+        </p:spPr>
+      </p:pic>
+    </p:spTree>
+    <p:extLst>
+      <p:ext uri="{BB962C8B-B14F-4D97-AF65-F5344CB8AC3E}">
+        <p14:creationId xmlns:p14="http://schemas.microsoft.com/office/powerpoint/2010/main" val="1780120664"/>
+      </p:ext>
+    </p:extLst>
+  </p:cSld>
+  <p:clrMapOvr>
+    <a:masterClrMapping/>
+  </p:clrMapOvr>
+</p:sld>
+</file>
+
+<file path=ppt/slides/slide9.xml><?xml version="1.0" encoding="utf-8"?>
+<p:sld xmlns:a="http://schemas.openxmlformats.org/drawingml/2006/main" xmlns:r="http://schemas.openxmlformats.org/officeDocument/2006/relationships" xmlns:p="http://schemas.openxmlformats.org/presentationml/2006/main">
+  <p:cSld>
+    <p:spTree>
+      <p:nvGrpSpPr>
+        <p:cNvPr id="1" name=""/>
+        <p:cNvGrpSpPr/>
+        <p:nvPr/>
+      </p:nvGrpSpPr>
+      <p:grpSpPr>
+        <a:xfrm>
+          <a:off x="0" y="0"/>
+          <a:ext cx="0" cy="0"/>
+          <a:chOff x="0" y="0"/>
+          <a:chExt cx="0" cy="0"/>
+        </a:xfrm>
+      </p:grpSpPr>
+      <p:sp>
+        <p:nvSpPr>
+          <p:cNvPr id="2" name="Заголовок 1"/>
+          <p:cNvSpPr>
+            <a:spLocks noGrp="1"/>
+          </p:cNvSpPr>
+          <p:nvPr>
+            <p:ph type="title"/>
+          </p:nvPr>
+        </p:nvSpPr>
+        <p:spPr/>
+        <p:txBody>
+          <a:bodyPr/>
+          <a:lstStyle/>
+          <a:p>
+            <a:r>
+              <a:rPr lang="ru-RU" dirty="0" smtClean="0"/>
               <a:t>Структура кода: Вне классов</a:t>
             </a:r>
             <a:endParaRPr lang="ru-RU" dirty="0"/>
@@ -7526,379 +7716,6 @@
       </p:par>
     </p:tnLst>
   </p:timing>
-</p:sld>
-</file>
-
-<file path=ppt/slides/slide9.xml><?xml version="1.0" encoding="utf-8"?>
-<p:sld xmlns:a="http://schemas.openxmlformats.org/drawingml/2006/main" xmlns:r="http://schemas.openxmlformats.org/officeDocument/2006/relationships" xmlns:p="http://schemas.openxmlformats.org/presentationml/2006/main">
-  <p:cSld>
-    <p:spTree>
-      <p:nvGrpSpPr>
-        <p:cNvPr id="1" name=""/>
-        <p:cNvGrpSpPr/>
-        <p:nvPr/>
-      </p:nvGrpSpPr>
-      <p:grpSpPr>
-        <a:xfrm>
-          <a:off x="0" y="0"/>
-          <a:ext cx="0" cy="0"/>
-          <a:chOff x="0" y="0"/>
-          <a:chExt cx="0" cy="0"/>
-        </a:xfrm>
-      </p:grpSpPr>
-      <p:sp>
-        <p:nvSpPr>
-          <p:cNvPr id="2" name="Заголовок 1"/>
-          <p:cNvSpPr>
-            <a:spLocks noGrp="1"/>
-          </p:cNvSpPr>
-          <p:nvPr>
-            <p:ph type="title"/>
-          </p:nvPr>
-        </p:nvSpPr>
-        <p:spPr/>
-        <p:txBody>
-          <a:bodyPr/>
-          <a:lstStyle/>
-          <a:p>
-            <a:r>
-              <a:rPr lang="ru-RU" dirty="0" err="1" smtClean="0"/>
-              <a:t>Геймплей</a:t>
-            </a:r>
-            <a:r>
-              <a:rPr lang="ru-RU" dirty="0" smtClean="0"/>
-              <a:t>: Награды</a:t>
-            </a:r>
-            <a:endParaRPr lang="ru-RU" dirty="0"/>
-          </a:p>
-        </p:txBody>
-      </p:sp>
-      <p:sp>
-        <p:nvSpPr>
-          <p:cNvPr id="3" name="Объект 2"/>
-          <p:cNvSpPr>
-            <a:spLocks noGrp="1"/>
-          </p:cNvSpPr>
-          <p:nvPr>
-            <p:ph idx="1"/>
-          </p:nvPr>
-        </p:nvSpPr>
-        <p:spPr/>
-        <p:txBody>
-          <a:bodyPr/>
-          <a:lstStyle/>
-          <a:p>
-            <a:r>
-              <a:rPr lang="ru-RU" dirty="0"/>
-              <a:t>Награда </a:t>
-            </a:r>
-            <a:r>
-              <a:rPr lang="en-US" dirty="0"/>
-              <a:t>The Sokoban Awards: </a:t>
-            </a:r>
-            <a:r>
-              <a:rPr lang="ru-RU" dirty="0"/>
-              <a:t>Самая лучшая игра</a:t>
-            </a:r>
-            <a:r>
-              <a:rPr lang="en-US" dirty="0"/>
-              <a:t> </a:t>
-            </a:r>
-            <a:r>
-              <a:rPr lang="en-US" dirty="0" err="1"/>
-              <a:t>sokoban</a:t>
-            </a:r>
-            <a:r>
-              <a:rPr lang="ru-RU" dirty="0"/>
-              <a:t> года</a:t>
-            </a:r>
-            <a:r>
-              <a:rPr lang="ru-RU" dirty="0" smtClean="0"/>
-              <a:t>.</a:t>
-            </a:r>
-          </a:p>
-          <a:p>
-            <a:r>
-              <a:rPr lang="ru-RU" dirty="0" smtClean="0"/>
-              <a:t>Номинация</a:t>
-            </a:r>
-            <a:r>
-              <a:rPr lang="en-US" dirty="0" smtClean="0"/>
-              <a:t> The </a:t>
-            </a:r>
-            <a:r>
-              <a:rPr lang="en-US" dirty="0"/>
-              <a:t>Sokoban </a:t>
-            </a:r>
-            <a:r>
-              <a:rPr lang="en-US" dirty="0" smtClean="0"/>
-              <a:t>Awards</a:t>
-            </a:r>
-            <a:r>
-              <a:rPr lang="ru-RU" dirty="0" smtClean="0"/>
-              <a:t>:</a:t>
-            </a:r>
-            <a:r>
-              <a:rPr lang="en-US" dirty="0" smtClean="0"/>
-              <a:t> </a:t>
-            </a:r>
-            <a:r>
-              <a:rPr lang="ru-RU" dirty="0" smtClean="0"/>
-              <a:t>Самый захватывающий </a:t>
-            </a:r>
-            <a:r>
-              <a:rPr lang="ru-RU" dirty="0" err="1" smtClean="0"/>
-              <a:t>геймплей</a:t>
-            </a:r>
-            <a:r>
-              <a:rPr lang="ru-RU" dirty="0" smtClean="0"/>
-              <a:t>.</a:t>
-            </a:r>
-          </a:p>
-          <a:p>
-            <a:r>
-              <a:rPr lang="ru-RU" dirty="0" smtClean="0"/>
-              <a:t>Номинация </a:t>
-            </a:r>
-            <a:r>
-              <a:rPr lang="en-US" dirty="0" smtClean="0"/>
-              <a:t>The </a:t>
-            </a:r>
-            <a:r>
-              <a:rPr lang="en-US" dirty="0"/>
-              <a:t>Sokoban </a:t>
-            </a:r>
-            <a:r>
-              <a:rPr lang="en-US" dirty="0" smtClean="0"/>
-              <a:t>Awards</a:t>
-            </a:r>
-            <a:r>
-              <a:rPr lang="ru-RU" dirty="0" smtClean="0"/>
-              <a:t>:</a:t>
-            </a:r>
-            <a:r>
-              <a:rPr lang="en-US" dirty="0" smtClean="0"/>
-              <a:t> </a:t>
-            </a:r>
-            <a:r>
-              <a:rPr lang="ru-RU" dirty="0" smtClean="0"/>
-              <a:t>Лучшая графика.</a:t>
-            </a:r>
-          </a:p>
-        </p:txBody>
-      </p:sp>
-      <p:pic>
-        <p:nvPicPr>
-          <p:cNvPr id="1028" name="Picture 4" descr="https://cdn.discordapp.com/attachments/919550147057291277/933351725119725588/unknown.png"/>
-          <p:cNvPicPr>
-            <a:picLocks noChangeAspect="1" noChangeArrowheads="1"/>
-          </p:cNvPicPr>
-          <p:nvPr/>
-        </p:nvPicPr>
-        <p:blipFill>
-          <a:blip r:embed="rId2">
-            <a:extLst>
-              <a:ext uri="{28A0092B-C50C-407E-A947-70E740481C1C}">
-                <a14:useLocalDpi xmlns:a14="http://schemas.microsoft.com/office/drawing/2010/main" val="0"/>
-              </a:ext>
-            </a:extLst>
-          </a:blip>
-          <a:srcRect/>
-          <a:stretch>
-            <a:fillRect/>
-          </a:stretch>
-        </p:blipFill>
-        <p:spPr bwMode="auto">
-          <a:xfrm>
-            <a:off x="0" y="3483437"/>
-            <a:ext cx="4597400" cy="3374563"/>
-          </a:xfrm>
-          <a:prstGeom prst="rect">
-            <a:avLst/>
-          </a:prstGeom>
-          <a:noFill/>
-          <a:extLst>
-            <a:ext uri="{909E8E84-426E-40DD-AFC4-6F175D3DCCD1}">
-              <a14:hiddenFill xmlns:a14="http://schemas.microsoft.com/office/drawing/2010/main">
-                <a:solidFill>
-                  <a:srgbClr val="FFFFFF"/>
-                </a:solidFill>
-              </a14:hiddenFill>
-            </a:ext>
-          </a:extLst>
-        </p:spPr>
-      </p:pic>
-      <p:pic>
-        <p:nvPicPr>
-          <p:cNvPr id="5" name="Рисунок 4"/>
-          <p:cNvPicPr>
-            <a:picLocks noChangeAspect="1"/>
-          </p:cNvPicPr>
-          <p:nvPr/>
-        </p:nvPicPr>
-        <p:blipFill>
-          <a:blip r:embed="rId3">
-            <a:extLst>
-              <a:ext uri="{28A0092B-C50C-407E-A947-70E740481C1C}">
-                <a14:useLocalDpi xmlns:a14="http://schemas.microsoft.com/office/drawing/2010/main" val="0"/>
-              </a:ext>
-            </a:extLst>
-          </a:blip>
-          <a:stretch>
-            <a:fillRect/>
-          </a:stretch>
-        </p:blipFill>
-        <p:spPr>
-          <a:xfrm>
-            <a:off x="9000067" y="172509"/>
-            <a:ext cx="3037568" cy="2031173"/>
-          </a:xfrm>
-          <a:prstGeom prst="rect">
-            <a:avLst/>
-          </a:prstGeom>
-        </p:spPr>
-      </p:pic>
-      <p:pic>
-        <p:nvPicPr>
-          <p:cNvPr id="6" name="Рисунок 5"/>
-          <p:cNvPicPr>
-            <a:picLocks noChangeAspect="1"/>
-          </p:cNvPicPr>
-          <p:nvPr/>
-        </p:nvPicPr>
-        <p:blipFill>
-          <a:blip r:embed="rId4">
-            <a:extLst>
-              <a:ext uri="{28A0092B-C50C-407E-A947-70E740481C1C}">
-                <a14:useLocalDpi xmlns:a14="http://schemas.microsoft.com/office/drawing/2010/main" val="0"/>
-              </a:ext>
-            </a:extLst>
-          </a:blip>
-          <a:stretch>
-            <a:fillRect/>
-          </a:stretch>
-        </p:blipFill>
-        <p:spPr>
-          <a:xfrm>
-            <a:off x="9000067" y="2376493"/>
-            <a:ext cx="3037568" cy="2031173"/>
-          </a:xfrm>
-          <a:prstGeom prst="rect">
-            <a:avLst/>
-          </a:prstGeom>
-        </p:spPr>
-      </p:pic>
-      <p:pic>
-        <p:nvPicPr>
-          <p:cNvPr id="7" name="Рисунок 6"/>
-          <p:cNvPicPr>
-            <a:picLocks noChangeAspect="1"/>
-          </p:cNvPicPr>
-          <p:nvPr/>
-        </p:nvPicPr>
-        <p:blipFill>
-          <a:blip r:embed="rId4">
-            <a:extLst>
-              <a:ext uri="{28A0092B-C50C-407E-A947-70E740481C1C}">
-                <a14:useLocalDpi xmlns:a14="http://schemas.microsoft.com/office/drawing/2010/main" val="0"/>
-              </a:ext>
-            </a:extLst>
-          </a:blip>
-          <a:stretch>
-            <a:fillRect/>
-          </a:stretch>
-        </p:blipFill>
-        <p:spPr>
-          <a:xfrm>
-            <a:off x="9000067" y="4580477"/>
-            <a:ext cx="3037568" cy="2031172"/>
-          </a:xfrm>
-          <a:prstGeom prst="rect">
-            <a:avLst/>
-          </a:prstGeom>
-        </p:spPr>
-      </p:pic>
-      <p:pic>
-        <p:nvPicPr>
-          <p:cNvPr id="1030" name="Picture 6" descr="https://pegi.info/themes/pegi/public-images/pegi/pegi3.png"/>
-          <p:cNvPicPr>
-            <a:picLocks noChangeAspect="1" noChangeArrowheads="1"/>
-          </p:cNvPicPr>
-          <p:nvPr/>
-        </p:nvPicPr>
-        <p:blipFill>
-          <a:blip r:embed="rId5">
-            <a:extLst>
-              <a:ext uri="{28A0092B-C50C-407E-A947-70E740481C1C}">
-                <a14:useLocalDpi xmlns:a14="http://schemas.microsoft.com/office/drawing/2010/main" val="0"/>
-              </a:ext>
-            </a:extLst>
-          </a:blip>
-          <a:srcRect/>
-          <a:stretch>
-            <a:fillRect/>
-          </a:stretch>
-        </p:blipFill>
-        <p:spPr bwMode="auto">
-          <a:xfrm>
-            <a:off x="4597400" y="5431580"/>
-            <a:ext cx="1168399" cy="1426420"/>
-          </a:xfrm>
-          <a:prstGeom prst="rect">
-            <a:avLst/>
-          </a:prstGeom>
-          <a:noFill/>
-          <a:extLst>
-            <a:ext uri="{909E8E84-426E-40DD-AFC4-6F175D3DCCD1}">
-              <a14:hiddenFill xmlns:a14="http://schemas.microsoft.com/office/drawing/2010/main">
-                <a:solidFill>
-                  <a:srgbClr val="FFFFFF"/>
-                </a:solidFill>
-              </a14:hiddenFill>
-            </a:ext>
-          </a:extLst>
-        </p:spPr>
-      </p:pic>
-      <p:sp>
-        <p:nvSpPr>
-          <p:cNvPr id="11" name="TextBox 10"/>
-          <p:cNvSpPr txBox="1"/>
-          <p:nvPr/>
-        </p:nvSpPr>
-        <p:spPr>
-          <a:xfrm>
-            <a:off x="11751733" y="6180667"/>
-            <a:ext cx="440267" cy="646331"/>
-          </a:xfrm>
-          <a:prstGeom prst="rect">
-            <a:avLst/>
-          </a:prstGeom>
-          <a:noFill/>
-        </p:spPr>
-        <p:txBody>
-          <a:bodyPr wrap="square" rtlCol="0">
-            <a:spAutoFit/>
-          </a:bodyPr>
-          <a:lstStyle/>
-          <a:p>
-            <a:r>
-              <a:rPr lang="ru-RU" sz="3600" dirty="0"/>
-              <a:t>9</a:t>
-            </a:r>
-            <a:endParaRPr lang="ru-RU" sz="3600" dirty="0"/>
-          </a:p>
-        </p:txBody>
-      </p:sp>
-    </p:spTree>
-    <p:extLst>
-      <p:ext uri="{BB962C8B-B14F-4D97-AF65-F5344CB8AC3E}">
-        <p14:creationId xmlns:p14="http://schemas.microsoft.com/office/powerpoint/2010/main" val="4218814262"/>
-      </p:ext>
-    </p:extLst>
-  </p:cSld>
-  <p:clrMapOvr>
-    <a:masterClrMapping/>
-  </p:clrMapOvr>
 </p:sld>
 </file>
 
